--- a/whatitlookslike.pptx
+++ b/whatitlookslike.pptx
@@ -5,10 +5,14 @@
     <p:sldMasterId id="2147483648" r:id="rId1"/>
   </p:sldMasterIdLst>
   <p:sldIdLst>
-    <p:sldId id="256" r:id="rId2"/>
-    <p:sldId id="257" r:id="rId3"/>
-    <p:sldId id="259" r:id="rId4"/>
-    <p:sldId id="258" r:id="rId5"/>
+    <p:sldId id="261" r:id="rId2"/>
+    <p:sldId id="256" r:id="rId3"/>
+    <p:sldId id="257" r:id="rId4"/>
+    <p:sldId id="259" r:id="rId5"/>
+    <p:sldId id="258" r:id="rId6"/>
+    <p:sldId id="260" r:id="rId7"/>
+    <p:sldId id="262" r:id="rId8"/>
+    <p:sldId id="263" r:id="rId9"/>
   </p:sldIdLst>
   <p:sldSz cx="9144000" cy="6858000" type="screen4x3"/>
   <p:notesSz cx="6858000" cy="9144000"/>
@@ -291,7 +295,7 @@
           <a:p>
             <a:fld id="{3DAC47B0-BC9A-41D0-85A4-979EA7432443}" type="datetimeFigureOut">
               <a:rPr lang="en-US" smtClean="0"/>
-              <a:t>10/27/2013</a:t>
+              <a:t>10/30/2013</a:t>
             </a:fld>
             <a:endParaRPr lang="en-US"/>
           </a:p>
@@ -461,7 +465,7 @@
           <a:p>
             <a:fld id="{3DAC47B0-BC9A-41D0-85A4-979EA7432443}" type="datetimeFigureOut">
               <a:rPr lang="en-US" smtClean="0"/>
-              <a:t>10/27/2013</a:t>
+              <a:t>10/30/2013</a:t>
             </a:fld>
             <a:endParaRPr lang="en-US"/>
           </a:p>
@@ -641,7 +645,7 @@
           <a:p>
             <a:fld id="{3DAC47B0-BC9A-41D0-85A4-979EA7432443}" type="datetimeFigureOut">
               <a:rPr lang="en-US" smtClean="0"/>
-              <a:t>10/27/2013</a:t>
+              <a:t>10/30/2013</a:t>
             </a:fld>
             <a:endParaRPr lang="en-US"/>
           </a:p>
@@ -811,7 +815,7 @@
           <a:p>
             <a:fld id="{3DAC47B0-BC9A-41D0-85A4-979EA7432443}" type="datetimeFigureOut">
               <a:rPr lang="en-US" smtClean="0"/>
-              <a:t>10/27/2013</a:t>
+              <a:t>10/30/2013</a:t>
             </a:fld>
             <a:endParaRPr lang="en-US"/>
           </a:p>
@@ -1057,7 +1061,7 @@
           <a:p>
             <a:fld id="{3DAC47B0-BC9A-41D0-85A4-979EA7432443}" type="datetimeFigureOut">
               <a:rPr lang="en-US" smtClean="0"/>
-              <a:t>10/27/2013</a:t>
+              <a:t>10/30/2013</a:t>
             </a:fld>
             <a:endParaRPr lang="en-US"/>
           </a:p>
@@ -1345,7 +1349,7 @@
           <a:p>
             <a:fld id="{3DAC47B0-BC9A-41D0-85A4-979EA7432443}" type="datetimeFigureOut">
               <a:rPr lang="en-US" smtClean="0"/>
-              <a:t>10/27/2013</a:t>
+              <a:t>10/30/2013</a:t>
             </a:fld>
             <a:endParaRPr lang="en-US"/>
           </a:p>
@@ -1767,7 +1771,7 @@
           <a:p>
             <a:fld id="{3DAC47B0-BC9A-41D0-85A4-979EA7432443}" type="datetimeFigureOut">
               <a:rPr lang="en-US" smtClean="0"/>
-              <a:t>10/27/2013</a:t>
+              <a:t>10/30/2013</a:t>
             </a:fld>
             <a:endParaRPr lang="en-US"/>
           </a:p>
@@ -1885,7 +1889,7 @@
           <a:p>
             <a:fld id="{3DAC47B0-BC9A-41D0-85A4-979EA7432443}" type="datetimeFigureOut">
               <a:rPr lang="en-US" smtClean="0"/>
-              <a:t>10/27/2013</a:t>
+              <a:t>10/30/2013</a:t>
             </a:fld>
             <a:endParaRPr lang="en-US"/>
           </a:p>
@@ -1980,7 +1984,7 @@
           <a:p>
             <a:fld id="{3DAC47B0-BC9A-41D0-85A4-979EA7432443}" type="datetimeFigureOut">
               <a:rPr lang="en-US" smtClean="0"/>
-              <a:t>10/27/2013</a:t>
+              <a:t>10/30/2013</a:t>
             </a:fld>
             <a:endParaRPr lang="en-US"/>
           </a:p>
@@ -2257,7 +2261,7 @@
           <a:p>
             <a:fld id="{3DAC47B0-BC9A-41D0-85A4-979EA7432443}" type="datetimeFigureOut">
               <a:rPr lang="en-US" smtClean="0"/>
-              <a:t>10/27/2013</a:t>
+              <a:t>10/30/2013</a:t>
             </a:fld>
             <a:endParaRPr lang="en-US"/>
           </a:p>
@@ -2510,7 +2514,7 @@
           <a:p>
             <a:fld id="{3DAC47B0-BC9A-41D0-85A4-979EA7432443}" type="datetimeFigureOut">
               <a:rPr lang="en-US" smtClean="0"/>
-              <a:t>10/27/2013</a:t>
+              <a:t>10/30/2013</a:t>
             </a:fld>
             <a:endParaRPr lang="en-US"/>
           </a:p>
@@ -2723,7 +2727,7 @@
           <a:p>
             <a:fld id="{3DAC47B0-BC9A-41D0-85A4-979EA7432443}" type="datetimeFigureOut">
               <a:rPr lang="en-US" smtClean="0"/>
-              <a:t>10/27/2013</a:t>
+              <a:t>10/30/2013</a:t>
             </a:fld>
             <a:endParaRPr lang="en-US"/>
           </a:p>
@@ -3100,7 +3104,7 @@
       </p:grpSpPr>
       <p:sp>
         <p:nvSpPr>
-          <p:cNvPr id="5" name="Title 4"/>
+          <p:cNvPr id="2" name="Title 1"/>
           <p:cNvSpPr>
             <a:spLocks noGrp="1"/>
           </p:cNvSpPr>
@@ -3114,8 +3118,12 @@
           <a:lstStyle/>
           <a:p>
             <a:r>
+              <a:rPr lang="en-US" dirty="0" err="1" smtClean="0"/>
+              <a:t>SleuthKit</a:t>
+            </a:r>
+            <a:r>
               <a:rPr lang="en-US" dirty="0" smtClean="0"/>
-              <a:t>Open a hard drive image</a:t>
+              <a:t> Timeline</a:t>
             </a:r>
             <a:endParaRPr lang="en-US" dirty="0"/>
           </a:p>
@@ -3123,94 +3131,43 @@
       </p:sp>
       <p:sp>
         <p:nvSpPr>
-          <p:cNvPr id="6" name="Rectangle 5"/>
-          <p:cNvSpPr/>
-          <p:nvPr/>
-        </p:nvSpPr>
-        <p:spPr>
-          <a:xfrm>
-            <a:off x="2590800" y="3082753"/>
-            <a:ext cx="2743200" cy="457200"/>
-          </a:xfrm>
-          <a:prstGeom prst="rect">
-            <a:avLst/>
-          </a:prstGeom>
-          <a:effectLst>
-            <a:outerShdw blurRad="50800" dist="38100" dir="2700000" algn="tl" rotWithShape="0">
-              <a:prstClr val="black">
-                <a:alpha val="40000"/>
-              </a:prstClr>
-            </a:outerShdw>
-          </a:effectLst>
-        </p:spPr>
-        <p:style>
-          <a:lnRef idx="2">
-            <a:schemeClr val="accent1"/>
-          </a:lnRef>
-          <a:fillRef idx="1">
-            <a:schemeClr val="lt1"/>
-          </a:fillRef>
-          <a:effectRef idx="0">
-            <a:schemeClr val="accent1"/>
-          </a:effectRef>
-          <a:fontRef idx="minor">
-            <a:schemeClr val="dk1"/>
-          </a:fontRef>
-        </p:style>
-        <p:txBody>
-          <a:bodyPr rtlCol="0" anchor="ctr"/>
+          <p:cNvPr id="4" name="Content Placeholder 3"/>
+          <p:cNvSpPr>
+            <a:spLocks noGrp="1"/>
+          </p:cNvSpPr>
+          <p:nvPr>
+            <p:ph idx="1"/>
+          </p:nvPr>
+        </p:nvSpPr>
+        <p:spPr/>
+        <p:txBody>
+          <a:bodyPr/>
           <a:lstStyle/>
           <a:p>
-            <a:pPr algn="ctr"/>
-            <a:endParaRPr lang="en-US"/>
-          </a:p>
-        </p:txBody>
-      </p:sp>
-      <p:sp>
-        <p:nvSpPr>
-          <p:cNvPr id="7" name="Rounded Rectangle 6"/>
-          <p:cNvSpPr/>
-          <p:nvPr/>
-        </p:nvSpPr>
-        <p:spPr>
-          <a:xfrm>
-            <a:off x="5562600" y="3082753"/>
-            <a:ext cx="1485900" cy="457200"/>
-          </a:xfrm>
-          <a:prstGeom prst="roundRect">
-            <a:avLst/>
-          </a:prstGeom>
-          <a:scene3d>
-            <a:camera prst="orthographicFront"/>
-            <a:lightRig rig="threePt" dir="t"/>
-          </a:scene3d>
-          <a:sp3d>
-            <a:bevelT prst="angle"/>
-          </a:sp3d>
-        </p:spPr>
-        <p:style>
-          <a:lnRef idx="1">
-            <a:schemeClr val="accent5"/>
-          </a:lnRef>
-          <a:fillRef idx="2">
-            <a:schemeClr val="accent5"/>
-          </a:fillRef>
-          <a:effectRef idx="1">
-            <a:schemeClr val="accent5"/>
-          </a:effectRef>
-          <a:fontRef idx="minor">
-            <a:schemeClr val="dk1"/>
-          </a:fontRef>
-        </p:style>
-        <p:txBody>
-          <a:bodyPr rtlCol="0" anchor="ctr"/>
-          <a:lstStyle/>
-          <a:p>
-            <a:pPr algn="ctr"/>
             <a:r>
               <a:rPr lang="en-US" dirty="0" smtClean="0"/>
-              <a:t>Choose file</a:t>
-            </a:r>
+              <a:t>Zoom in/out and time scale + data will adjust</a:t>
+            </a:r>
+          </a:p>
+          <a:p>
+            <a:r>
+              <a:rPr lang="en-US" dirty="0" smtClean="0"/>
+              <a:t>GUI allows user to visualize data as categories across time</a:t>
+            </a:r>
+          </a:p>
+          <a:p>
+            <a:r>
+              <a:rPr lang="en-US" dirty="0" smtClean="0"/>
+              <a:t>GUI acts as a filter to help see the data user wants to look at</a:t>
+            </a:r>
+          </a:p>
+          <a:p>
+            <a:r>
+              <a:rPr lang="en-US" dirty="0" smtClean="0"/>
+              <a:t>After selecting type of data and time range, can view files in a file explorer style</a:t>
+            </a:r>
+          </a:p>
+          <a:p>
             <a:endParaRPr lang="en-US" dirty="0"/>
           </a:p>
         </p:txBody>
@@ -3218,20 +3175,13 @@
     </p:spTree>
     <p:extLst>
       <p:ext uri="{BB962C8B-B14F-4D97-AF65-F5344CB8AC3E}">
-        <p14:creationId xmlns:p14="http://schemas.microsoft.com/office/powerpoint/2010/main" val="2272185539"/>
+        <p14:creationId xmlns:p14="http://schemas.microsoft.com/office/powerpoint/2010/main" val="244577392"/>
       </p:ext>
     </p:extLst>
   </p:cSld>
   <p:clrMapOvr>
     <a:masterClrMapping/>
   </p:clrMapOvr>
-  <p:timing>
-    <p:tnLst>
-      <p:par>
-        <p:cTn id="1" dur="indefinite" restart="never" nodeType="tmRoot"/>
-      </p:par>
-    </p:tnLst>
-  </p:timing>
 </p:sld>
 </file>
 
@@ -3254,70 +3204,6 @@
       </p:grpSpPr>
       <p:sp>
         <p:nvSpPr>
-          <p:cNvPr id="4" name="Rectangle 3"/>
-          <p:cNvSpPr/>
-          <p:nvPr/>
-        </p:nvSpPr>
-        <p:spPr>
-          <a:xfrm>
-            <a:off x="2971800" y="3041307"/>
-            <a:ext cx="3505200" cy="723900"/>
-          </a:xfrm>
-          <a:prstGeom prst="rect">
-            <a:avLst/>
-          </a:prstGeom>
-          <a:ln>
-            <a:noFill/>
-          </a:ln>
-          <a:effectLst>
-            <a:glow rad="63500">
-              <a:schemeClr val="accent1">
-                <a:satMod val="175000"/>
-                <a:alpha val="40000"/>
-              </a:schemeClr>
-            </a:glow>
-          </a:effectLst>
-          <a:scene3d>
-            <a:camera prst="orthographicFront">
-              <a:rot lat="0" lon="0" rev="0"/>
-            </a:camera>
-            <a:lightRig rig="contrasting" dir="t">
-              <a:rot lat="0" lon="0" rev="7800000"/>
-            </a:lightRig>
-          </a:scene3d>
-          <a:sp3d>
-            <a:bevelT w="139700" h="139700"/>
-          </a:sp3d>
-        </p:spPr>
-        <p:style>
-          <a:lnRef idx="1">
-            <a:schemeClr val="accent5"/>
-          </a:lnRef>
-          <a:fillRef idx="2">
-            <a:schemeClr val="accent5"/>
-          </a:fillRef>
-          <a:effectRef idx="1">
-            <a:schemeClr val="accent5"/>
-          </a:effectRef>
-          <a:fontRef idx="minor">
-            <a:schemeClr val="dk1"/>
-          </a:fontRef>
-        </p:style>
-        <p:txBody>
-          <a:bodyPr rtlCol="0" anchor="ctr"/>
-          <a:lstStyle/>
-          <a:p>
-            <a:pPr algn="ctr"/>
-            <a:r>
-              <a:rPr lang="en-US" dirty="0" smtClean="0"/>
-              <a:t>Processing….</a:t>
-            </a:r>
-            <a:endParaRPr lang="en-US" dirty="0"/>
-          </a:p>
-        </p:txBody>
-      </p:sp>
-      <p:sp>
-        <p:nvSpPr>
           <p:cNvPr id="5" name="Title 4"/>
           <p:cNvSpPr>
             <a:spLocks noGrp="1"/>
@@ -3333,16 +3219,125 @@
           <a:p>
             <a:r>
               <a:rPr lang="en-US" dirty="0" smtClean="0"/>
-              <a:t>After selecting image</a:t>
+              <a:t>Open a hard drive image</a:t>
             </a:r>
             <a:endParaRPr lang="en-US" dirty="0"/>
           </a:p>
         </p:txBody>
       </p:sp>
+      <p:grpSp>
+        <p:nvGrpSpPr>
+          <p:cNvPr id="2" name="Group 1"/>
+          <p:cNvGrpSpPr/>
+          <p:nvPr/>
+        </p:nvGrpSpPr>
+        <p:grpSpPr>
+          <a:xfrm>
+            <a:off x="2590800" y="3082753"/>
+            <a:ext cx="4457700" cy="457200"/>
+            <a:chOff x="2590800" y="3082753"/>
+            <a:chExt cx="4457700" cy="457200"/>
+          </a:xfrm>
+        </p:grpSpPr>
+        <p:sp>
+          <p:nvSpPr>
+            <p:cNvPr id="6" name="Rectangle 5"/>
+            <p:cNvSpPr/>
+            <p:nvPr/>
+          </p:nvSpPr>
+          <p:spPr>
+            <a:xfrm>
+              <a:off x="2590800" y="3082753"/>
+              <a:ext cx="2743200" cy="457200"/>
+            </a:xfrm>
+            <a:prstGeom prst="rect">
+              <a:avLst/>
+            </a:prstGeom>
+            <a:effectLst>
+              <a:outerShdw blurRad="50800" dist="38100" dir="2700000" algn="tl" rotWithShape="0">
+                <a:prstClr val="black">
+                  <a:alpha val="40000"/>
+                </a:prstClr>
+              </a:outerShdw>
+            </a:effectLst>
+          </p:spPr>
+          <p:style>
+            <a:lnRef idx="2">
+              <a:schemeClr val="accent1"/>
+            </a:lnRef>
+            <a:fillRef idx="1">
+              <a:schemeClr val="lt1"/>
+            </a:fillRef>
+            <a:effectRef idx="0">
+              <a:schemeClr val="accent1"/>
+            </a:effectRef>
+            <a:fontRef idx="minor">
+              <a:schemeClr val="dk1"/>
+            </a:fontRef>
+          </p:style>
+          <p:txBody>
+            <a:bodyPr rtlCol="0" anchor="ctr"/>
+            <a:lstStyle/>
+            <a:p>
+              <a:pPr algn="ctr"/>
+              <a:endParaRPr lang="en-US"/>
+            </a:p>
+          </p:txBody>
+        </p:sp>
+        <p:sp>
+          <p:nvSpPr>
+            <p:cNvPr id="7" name="Rounded Rectangle 6"/>
+            <p:cNvSpPr/>
+            <p:nvPr/>
+          </p:nvSpPr>
+          <p:spPr>
+            <a:xfrm>
+              <a:off x="5562600" y="3082753"/>
+              <a:ext cx="1485900" cy="457200"/>
+            </a:xfrm>
+            <a:prstGeom prst="roundRect">
+              <a:avLst/>
+            </a:prstGeom>
+            <a:scene3d>
+              <a:camera prst="orthographicFront"/>
+              <a:lightRig rig="threePt" dir="t"/>
+            </a:scene3d>
+            <a:sp3d>
+              <a:bevelT prst="angle"/>
+            </a:sp3d>
+          </p:spPr>
+          <p:style>
+            <a:lnRef idx="1">
+              <a:schemeClr val="accent5"/>
+            </a:lnRef>
+            <a:fillRef idx="2">
+              <a:schemeClr val="accent5"/>
+            </a:fillRef>
+            <a:effectRef idx="1">
+              <a:schemeClr val="accent5"/>
+            </a:effectRef>
+            <a:fontRef idx="minor">
+              <a:schemeClr val="dk1"/>
+            </a:fontRef>
+          </p:style>
+          <p:txBody>
+            <a:bodyPr rtlCol="0" anchor="ctr"/>
+            <a:lstStyle/>
+            <a:p>
+              <a:pPr algn="ctr"/>
+              <a:r>
+                <a:rPr lang="en-US" dirty="0" smtClean="0"/>
+                <a:t>Choose file</a:t>
+              </a:r>
+              <a:endParaRPr lang="en-US" dirty="0"/>
+            </a:p>
+          </p:txBody>
+        </p:sp>
+      </p:grpSp>
     </p:spTree>
     <p:extLst>
       <p:ext uri="{BB962C8B-B14F-4D97-AF65-F5344CB8AC3E}">
-        <p14:creationId xmlns:p14="http://schemas.microsoft.com/office/powerpoint/2010/main" val="2131183833"/>
+        <p14:creationId xmlns:p14="http://schemas.microsoft.com/office/powerpoint/2010/main" val="2272185539"/>
       </p:ext>
     </p:extLst>
   </p:cSld>
@@ -3378,6 +3373,54 @@
       </p:grpSpPr>
       <p:sp>
         <p:nvSpPr>
+          <p:cNvPr id="4" name="Rectangle 3"/>
+          <p:cNvSpPr/>
+          <p:nvPr/>
+        </p:nvSpPr>
+        <p:spPr>
+          <a:xfrm>
+            <a:off x="2971800" y="3041307"/>
+            <a:ext cx="3505200" cy="723900"/>
+          </a:xfrm>
+          <a:prstGeom prst="rect">
+            <a:avLst/>
+          </a:prstGeom>
+          <a:ln>
+            <a:solidFill>
+              <a:schemeClr val="bg1"/>
+            </a:solidFill>
+          </a:ln>
+          <a:effectLst/>
+        </p:spPr>
+        <p:style>
+          <a:lnRef idx="1">
+            <a:schemeClr val="accent5"/>
+          </a:lnRef>
+          <a:fillRef idx="2">
+            <a:schemeClr val="accent5"/>
+          </a:fillRef>
+          <a:effectRef idx="1">
+            <a:schemeClr val="accent5"/>
+          </a:effectRef>
+          <a:fontRef idx="minor">
+            <a:schemeClr val="dk1"/>
+          </a:fontRef>
+        </p:style>
+        <p:txBody>
+          <a:bodyPr rtlCol="0" anchor="ctr"/>
+          <a:lstStyle/>
+          <a:p>
+            <a:pPr algn="ctr"/>
+            <a:r>
+              <a:rPr lang="en-US" dirty="0" smtClean="0"/>
+              <a:t>Processing….</a:t>
+            </a:r>
+            <a:endParaRPr lang="en-US" dirty="0"/>
+          </a:p>
+        </p:txBody>
+      </p:sp>
+      <p:sp>
+        <p:nvSpPr>
           <p:cNvPr id="5" name="Title 4"/>
           <p:cNvSpPr>
             <a:spLocks noGrp="1"/>
@@ -3393,7 +3436,71 @@
           <a:p>
             <a:r>
               <a:rPr lang="en-US" dirty="0" smtClean="0"/>
-              <a:t>If image is very large</a:t>
+              <a:t>Processing selected image</a:t>
+            </a:r>
+            <a:endParaRPr lang="en-US" dirty="0"/>
+          </a:p>
+        </p:txBody>
+      </p:sp>
+    </p:spTree>
+    <p:extLst>
+      <p:ext uri="{BB962C8B-B14F-4D97-AF65-F5344CB8AC3E}">
+        <p14:creationId xmlns:p14="http://schemas.microsoft.com/office/powerpoint/2010/main" val="2131183833"/>
+      </p:ext>
+    </p:extLst>
+  </p:cSld>
+  <p:clrMapOvr>
+    <a:masterClrMapping/>
+  </p:clrMapOvr>
+  <p:timing>
+    <p:tnLst>
+      <p:par>
+        <p:cTn id="1" dur="indefinite" restart="never" nodeType="tmRoot"/>
+      </p:par>
+    </p:tnLst>
+  </p:timing>
+</p:sld>
+</file>
+
+<file path=ppt/slides/slide4.xml><?xml version="1.0" encoding="utf-8"?>
+<p:sld xmlns:a="http://schemas.openxmlformats.org/drawingml/2006/main" xmlns:r="http://schemas.openxmlformats.org/officeDocument/2006/relationships" xmlns:p="http://schemas.openxmlformats.org/presentationml/2006/main">
+  <p:cSld>
+    <p:spTree>
+      <p:nvGrpSpPr>
+        <p:cNvPr id="1" name=""/>
+        <p:cNvGrpSpPr/>
+        <p:nvPr/>
+      </p:nvGrpSpPr>
+      <p:grpSpPr>
+        <a:xfrm>
+          <a:off x="0" y="0"/>
+          <a:ext cx="0" cy="0"/>
+          <a:chOff x="0" y="0"/>
+          <a:chExt cx="0" cy="0"/>
+        </a:xfrm>
+      </p:grpSpPr>
+      <p:sp>
+        <p:nvSpPr>
+          <p:cNvPr id="5" name="Title 4"/>
+          <p:cNvSpPr>
+            <a:spLocks noGrp="1"/>
+          </p:cNvSpPr>
+          <p:nvPr>
+            <p:ph type="title"/>
+          </p:nvPr>
+        </p:nvSpPr>
+        <p:spPr/>
+        <p:txBody>
+          <a:bodyPr/>
+          <a:lstStyle/>
+          <a:p>
+            <a:r>
+              <a:rPr lang="en-US" dirty="0" smtClean="0"/>
+              <a:t>If image is very </a:t>
+            </a:r>
+            <a:r>
+              <a:rPr lang="en-US" dirty="0" smtClean="0"/>
+              <a:t>large…</a:t>
             </a:r>
             <a:endParaRPr lang="en-US" dirty="0"/>
           </a:p>
@@ -3408,9 +3515,9 @@
         <p:grpSpPr>
           <a:xfrm>
             <a:off x="2819400" y="2743200"/>
-            <a:ext cx="4953000" cy="2337059"/>
+            <a:ext cx="3962400" cy="2337059"/>
             <a:chOff x="2819400" y="2743200"/>
-            <a:chExt cx="4953000" cy="2337059"/>
+            <a:chExt cx="3962400" cy="2337059"/>
           </a:xfrm>
         </p:grpSpPr>
         <p:sp>
@@ -3455,54 +3562,8 @@
               <a:pPr algn="ctr"/>
               <a:r>
                 <a:rPr lang="en-US" dirty="0" smtClean="0"/>
-                <a:t>The image is very large. Would </a:t>
+                <a:t>The image is very large. Would you like to select a range of dates to view?</a:t>
               </a:r>
-              <a:r>
-                <a:rPr lang="en-US" dirty="0" smtClean="0"/>
-                <a:t>you like to select a range of dates to view?</a:t>
-              </a:r>
-            </a:p>
-          </p:txBody>
-        </p:sp>
-        <p:sp>
-          <p:nvSpPr>
-            <p:cNvPr id="8" name="Rectangle 7"/>
-            <p:cNvSpPr/>
-            <p:nvPr/>
-          </p:nvSpPr>
-          <p:spPr>
-            <a:xfrm>
-              <a:off x="6781800" y="4582812"/>
-              <a:ext cx="990600" cy="497447"/>
-            </a:xfrm>
-            <a:prstGeom prst="rect">
-              <a:avLst/>
-            </a:prstGeom>
-          </p:spPr>
-          <p:style>
-            <a:lnRef idx="1">
-              <a:schemeClr val="accent4"/>
-            </a:lnRef>
-            <a:fillRef idx="2">
-              <a:schemeClr val="accent4"/>
-            </a:fillRef>
-            <a:effectRef idx="1">
-              <a:schemeClr val="accent4"/>
-            </a:effectRef>
-            <a:fontRef idx="minor">
-              <a:schemeClr val="dk1"/>
-            </a:fontRef>
-          </p:style>
-          <p:txBody>
-            <a:bodyPr rtlCol="0" anchor="ctr"/>
-            <a:lstStyle/>
-            <a:p>
-              <a:pPr algn="ctr"/>
-              <a:r>
-                <a:rPr lang="en-US" dirty="0" smtClean="0"/>
-                <a:t>Skip/Ok</a:t>
-              </a:r>
-              <a:endParaRPr lang="en-US" dirty="0" smtClean="0"/>
             </a:p>
           </p:txBody>
         </p:sp>
@@ -4015,6 +4076,55 @@
           </p:sp>
         </p:grpSp>
       </p:grpSp>
+      <p:sp>
+        <p:nvSpPr>
+          <p:cNvPr id="26" name="Rounded Rectangle 25"/>
+          <p:cNvSpPr/>
+          <p:nvPr/>
+        </p:nvSpPr>
+        <p:spPr>
+          <a:xfrm>
+            <a:off x="6705600" y="4592852"/>
+            <a:ext cx="1485900" cy="457200"/>
+          </a:xfrm>
+          <a:prstGeom prst="roundRect">
+            <a:avLst/>
+          </a:prstGeom>
+          <a:scene3d>
+            <a:camera prst="orthographicFront"/>
+            <a:lightRig rig="threePt" dir="t"/>
+          </a:scene3d>
+          <a:sp3d>
+            <a:bevelT w="165100" prst="coolSlant"/>
+          </a:sp3d>
+        </p:spPr>
+        <p:style>
+          <a:lnRef idx="1">
+            <a:schemeClr val="accent4"/>
+          </a:lnRef>
+          <a:fillRef idx="2">
+            <a:schemeClr val="accent4"/>
+          </a:fillRef>
+          <a:effectRef idx="1">
+            <a:schemeClr val="accent4"/>
+          </a:effectRef>
+          <a:fontRef idx="minor">
+            <a:schemeClr val="dk1"/>
+          </a:fontRef>
+        </p:style>
+        <p:txBody>
+          <a:bodyPr rtlCol="0" anchor="ctr"/>
+          <a:lstStyle/>
+          <a:p>
+            <a:pPr algn="ctr"/>
+            <a:r>
+              <a:rPr lang="en-US" dirty="0" smtClean="0"/>
+              <a:t>Skip/OK</a:t>
+            </a:r>
+            <a:endParaRPr lang="en-US" dirty="0"/>
+          </a:p>
+        </p:txBody>
+      </p:sp>
     </p:spTree>
     <p:extLst>
       <p:ext uri="{BB962C8B-B14F-4D97-AF65-F5344CB8AC3E}">
@@ -4035,7 +4145,7 @@
 </p:sld>
 </file>
 
-<file path=ppt/slides/slide4.xml><?xml version="1.0" encoding="utf-8"?>
+<file path=ppt/slides/slide5.xml><?xml version="1.0" encoding="utf-8"?>
 <p:sld xmlns:a="http://schemas.openxmlformats.org/drawingml/2006/main" xmlns:r="http://schemas.openxmlformats.org/officeDocument/2006/relationships" xmlns:p="http://schemas.openxmlformats.org/presentationml/2006/main">
   <p:cSld>
     <p:spTree>
@@ -5340,6 +5450,13 @@
               </a:prstClr>
             </a:outerShdw>
           </a:effectLst>
+          <a:scene3d>
+            <a:camera prst="orthographicFront"/>
+            <a:lightRig rig="threePt" dir="t"/>
+          </a:scene3d>
+          <a:sp3d>
+            <a:bevelT prst="relaxedInset"/>
+          </a:sp3d>
         </p:spPr>
         <p:style>
           <a:lnRef idx="2">
@@ -5422,6 +5539,3302 @@
       </p:par>
     </p:tnLst>
   </p:timing>
+</p:sld>
+</file>
+
+<file path=ppt/slides/slide6.xml><?xml version="1.0" encoding="utf-8"?>
+<p:sld xmlns:a="http://schemas.openxmlformats.org/drawingml/2006/main" xmlns:r="http://schemas.openxmlformats.org/officeDocument/2006/relationships" xmlns:p="http://schemas.openxmlformats.org/presentationml/2006/main">
+  <p:cSld>
+    <p:spTree>
+      <p:nvGrpSpPr>
+        <p:cNvPr id="1" name=""/>
+        <p:cNvGrpSpPr/>
+        <p:nvPr/>
+      </p:nvGrpSpPr>
+      <p:grpSpPr>
+        <a:xfrm>
+          <a:off x="0" y="0"/>
+          <a:ext cx="0" cy="0"/>
+          <a:chOff x="0" y="0"/>
+          <a:chExt cx="0" cy="0"/>
+        </a:xfrm>
+      </p:grpSpPr>
+      <p:sp>
+        <p:nvSpPr>
+          <p:cNvPr id="5" name="Right Arrow 4"/>
+          <p:cNvSpPr/>
+          <p:nvPr/>
+        </p:nvSpPr>
+        <p:spPr>
+          <a:xfrm>
+            <a:off x="983392" y="4878345"/>
+            <a:ext cx="7246208" cy="303255"/>
+          </a:xfrm>
+          <a:prstGeom prst="rightArrow">
+            <a:avLst/>
+          </a:prstGeom>
+          <a:solidFill>
+            <a:schemeClr val="bg1">
+              <a:lumMod val="85000"/>
+            </a:schemeClr>
+          </a:solidFill>
+        </p:spPr>
+        <p:style>
+          <a:lnRef idx="2">
+            <a:schemeClr val="accent1">
+              <a:shade val="50000"/>
+            </a:schemeClr>
+          </a:lnRef>
+          <a:fillRef idx="1002">
+            <a:schemeClr val="dk2"/>
+          </a:fillRef>
+          <a:effectRef idx="0">
+            <a:schemeClr val="accent1"/>
+          </a:effectRef>
+          <a:fontRef idx="minor">
+            <a:schemeClr val="lt1"/>
+          </a:fontRef>
+        </p:style>
+        <p:txBody>
+          <a:bodyPr rtlCol="0" anchor="ctr"/>
+          <a:lstStyle/>
+          <a:p>
+            <a:pPr algn="ctr"/>
+            <a:endParaRPr lang="en-US"/>
+          </a:p>
+        </p:txBody>
+      </p:sp>
+      <p:sp>
+        <p:nvSpPr>
+          <p:cNvPr id="6" name="TextBox 5"/>
+          <p:cNvSpPr txBox="1"/>
+          <p:nvPr/>
+        </p:nvSpPr>
+        <p:spPr>
+          <a:xfrm>
+            <a:off x="426204" y="3433037"/>
+            <a:ext cx="461665" cy="1067011"/>
+          </a:xfrm>
+          <a:prstGeom prst="rect">
+            <a:avLst/>
+          </a:prstGeom>
+          <a:solidFill>
+            <a:schemeClr val="bg1">
+              <a:lumMod val="85000"/>
+            </a:schemeClr>
+          </a:solidFill>
+          <a:scene3d>
+            <a:camera prst="orthographicFront"/>
+            <a:lightRig rig="threePt" dir="t"/>
+          </a:scene3d>
+          <a:sp3d>
+            <a:bevelT prst="angle"/>
+          </a:sp3d>
+        </p:spPr>
+        <p:txBody>
+          <a:bodyPr vert="vert270" wrap="square" rtlCol="0">
+            <a:spAutoFit/>
+          </a:bodyPr>
+          <a:lstStyle/>
+          <a:p>
+            <a:pPr algn="ctr"/>
+            <a:r>
+              <a:rPr lang="en-US" dirty="0" smtClean="0"/>
+              <a:t>File type</a:t>
+            </a:r>
+            <a:endParaRPr lang="en-US" dirty="0"/>
+          </a:p>
+        </p:txBody>
+      </p:sp>
+      <p:sp>
+        <p:nvSpPr>
+          <p:cNvPr id="7" name="TextBox 6"/>
+          <p:cNvSpPr txBox="1"/>
+          <p:nvPr/>
+        </p:nvSpPr>
+        <p:spPr>
+          <a:xfrm>
+            <a:off x="983392" y="5602415"/>
+            <a:ext cx="652743" cy="369332"/>
+          </a:xfrm>
+          <a:prstGeom prst="rect">
+            <a:avLst/>
+          </a:prstGeom>
+          <a:solidFill>
+            <a:schemeClr val="bg1">
+              <a:lumMod val="85000"/>
+            </a:schemeClr>
+          </a:solidFill>
+        </p:spPr>
+        <p:txBody>
+          <a:bodyPr wrap="none" rtlCol="0">
+            <a:spAutoFit/>
+          </a:bodyPr>
+          <a:lstStyle/>
+          <a:p>
+            <a:r>
+              <a:rPr lang="en-US" b="1" dirty="0" smtClean="0"/>
+              <a:t>2010</a:t>
+            </a:r>
+            <a:endParaRPr lang="en-US" b="1" dirty="0"/>
+          </a:p>
+        </p:txBody>
+      </p:sp>
+      <p:grpSp>
+        <p:nvGrpSpPr>
+          <p:cNvPr id="8" name="Group 7"/>
+          <p:cNvGrpSpPr/>
+          <p:nvPr/>
+        </p:nvGrpSpPr>
+        <p:grpSpPr>
+          <a:xfrm>
+            <a:off x="1447800" y="3200400"/>
+            <a:ext cx="445529" cy="1516258"/>
+            <a:chOff x="1447800" y="3200400"/>
+            <a:chExt cx="445529" cy="1516258"/>
+          </a:xfrm>
+          <a:solidFill>
+            <a:schemeClr val="bg1">
+              <a:lumMod val="85000"/>
+            </a:schemeClr>
+          </a:solidFill>
+        </p:grpSpPr>
+        <p:sp>
+          <p:nvSpPr>
+            <p:cNvPr id="9" name="Oval 8"/>
+            <p:cNvSpPr/>
+            <p:nvPr/>
+          </p:nvSpPr>
+          <p:spPr>
+            <a:xfrm>
+              <a:off x="1447800" y="4283441"/>
+              <a:ext cx="445529" cy="433217"/>
+            </a:xfrm>
+            <a:prstGeom prst="ellipse">
+              <a:avLst/>
+            </a:prstGeom>
+            <a:grpFill/>
+          </p:spPr>
+          <p:style>
+            <a:lnRef idx="2">
+              <a:schemeClr val="accent1">
+                <a:shade val="50000"/>
+              </a:schemeClr>
+            </a:lnRef>
+            <a:fillRef idx="1">
+              <a:schemeClr val="accent1"/>
+            </a:fillRef>
+            <a:effectRef idx="0">
+              <a:schemeClr val="accent1"/>
+            </a:effectRef>
+            <a:fontRef idx="minor">
+              <a:schemeClr val="lt1"/>
+            </a:fontRef>
+          </p:style>
+          <p:txBody>
+            <a:bodyPr rtlCol="0" anchor="ctr"/>
+            <a:lstStyle/>
+            <a:p>
+              <a:pPr algn="ctr"/>
+              <a:endParaRPr lang="en-US" sz="1000" dirty="0"/>
+            </a:p>
+          </p:txBody>
+        </p:sp>
+        <p:sp>
+          <p:nvSpPr>
+            <p:cNvPr id="10" name="Oval 9"/>
+            <p:cNvSpPr/>
+            <p:nvPr/>
+          </p:nvSpPr>
+          <p:spPr>
+            <a:xfrm>
+              <a:off x="1456330" y="3200400"/>
+              <a:ext cx="436999" cy="433217"/>
+            </a:xfrm>
+            <a:prstGeom prst="ellipse">
+              <a:avLst/>
+            </a:prstGeom>
+            <a:grpFill/>
+          </p:spPr>
+          <p:style>
+            <a:lnRef idx="2">
+              <a:schemeClr val="accent3">
+                <a:shade val="50000"/>
+              </a:schemeClr>
+            </a:lnRef>
+            <a:fillRef idx="1">
+              <a:schemeClr val="accent3"/>
+            </a:fillRef>
+            <a:effectRef idx="0">
+              <a:schemeClr val="accent3"/>
+            </a:effectRef>
+            <a:fontRef idx="minor">
+              <a:schemeClr val="lt1"/>
+            </a:fontRef>
+          </p:style>
+          <p:txBody>
+            <a:bodyPr rtlCol="0" anchor="ctr"/>
+            <a:lstStyle/>
+            <a:p>
+              <a:pPr algn="ctr"/>
+              <a:endParaRPr lang="en-US" sz="1200" dirty="0"/>
+            </a:p>
+          </p:txBody>
+        </p:sp>
+        <p:sp>
+          <p:nvSpPr>
+            <p:cNvPr id="11" name="Oval 10"/>
+            <p:cNvSpPr/>
+            <p:nvPr/>
+          </p:nvSpPr>
+          <p:spPr>
+            <a:xfrm>
+              <a:off x="1447800" y="3741921"/>
+              <a:ext cx="445529" cy="433217"/>
+            </a:xfrm>
+            <a:prstGeom prst="ellipse">
+              <a:avLst/>
+            </a:prstGeom>
+            <a:grpFill/>
+          </p:spPr>
+          <p:style>
+            <a:lnRef idx="2">
+              <a:schemeClr val="accent2">
+                <a:shade val="50000"/>
+              </a:schemeClr>
+            </a:lnRef>
+            <a:fillRef idx="1">
+              <a:schemeClr val="accent2"/>
+            </a:fillRef>
+            <a:effectRef idx="0">
+              <a:schemeClr val="accent2"/>
+            </a:effectRef>
+            <a:fontRef idx="minor">
+              <a:schemeClr val="lt1"/>
+            </a:fontRef>
+          </p:style>
+          <p:txBody>
+            <a:bodyPr rtlCol="0" anchor="ctr"/>
+            <a:lstStyle/>
+            <a:p>
+              <a:pPr algn="ctr"/>
+              <a:endParaRPr lang="en-US" sz="1200" dirty="0"/>
+            </a:p>
+          </p:txBody>
+        </p:sp>
+      </p:grpSp>
+      <p:sp>
+        <p:nvSpPr>
+          <p:cNvPr id="12" name="TextBox 11"/>
+          <p:cNvSpPr txBox="1"/>
+          <p:nvPr/>
+        </p:nvSpPr>
+        <p:spPr>
+          <a:xfrm>
+            <a:off x="6629400" y="5602415"/>
+            <a:ext cx="652743" cy="369332"/>
+          </a:xfrm>
+          <a:prstGeom prst="rect">
+            <a:avLst/>
+          </a:prstGeom>
+          <a:solidFill>
+            <a:schemeClr val="bg1">
+              <a:lumMod val="85000"/>
+            </a:schemeClr>
+          </a:solidFill>
+        </p:spPr>
+        <p:txBody>
+          <a:bodyPr wrap="none" rtlCol="0">
+            <a:spAutoFit/>
+          </a:bodyPr>
+          <a:lstStyle/>
+          <a:p>
+            <a:r>
+              <a:rPr lang="en-US" b="1" dirty="0" smtClean="0"/>
+              <a:t>2011</a:t>
+            </a:r>
+            <a:endParaRPr lang="en-US" b="1" dirty="0"/>
+          </a:p>
+        </p:txBody>
+      </p:sp>
+      <p:graphicFrame>
+        <p:nvGraphicFramePr>
+          <p:cNvPr id="13" name="Table 12"/>
+          <p:cNvGraphicFramePr>
+            <a:graphicFrameLocks noGrp="1"/>
+          </p:cNvGraphicFramePr>
+          <p:nvPr>
+            <p:extLst>
+              <p:ext uri="{D42A27DB-BD31-4B8C-83A1-F6EECF244321}">
+                <p14:modId xmlns:p14="http://schemas.microsoft.com/office/powerpoint/2010/main" val="1485974548"/>
+              </p:ext>
+            </p:extLst>
+          </p:nvPr>
+        </p:nvGraphicFramePr>
+        <p:xfrm>
+          <a:off x="990600" y="5128466"/>
+          <a:ext cx="7086583" cy="274320"/>
+        </p:xfrm>
+        <a:graphic>
+          <a:graphicData uri="http://schemas.openxmlformats.org/drawingml/2006/table">
+            <a:tbl>
+              <a:tblPr firstRow="1" bandRow="1">
+                <a:tableStyleId>{2D5ABB26-0587-4C30-8999-92F81FD0307C}</a:tableStyleId>
+              </a:tblPr>
+              <a:tblGrid>
+                <a:gridCol w="469285"/>
+                <a:gridCol w="469285"/>
+                <a:gridCol w="469285"/>
+                <a:gridCol w="469285"/>
+                <a:gridCol w="469285"/>
+                <a:gridCol w="469285"/>
+                <a:gridCol w="469285"/>
+                <a:gridCol w="469285"/>
+                <a:gridCol w="469285"/>
+                <a:gridCol w="469285"/>
+                <a:gridCol w="469285"/>
+                <a:gridCol w="481112"/>
+                <a:gridCol w="481112"/>
+                <a:gridCol w="481112"/>
+                <a:gridCol w="481112"/>
+              </a:tblGrid>
+              <a:tr h="185420">
+                <a:tc>
+                  <a:txBody>
+                    <a:bodyPr/>
+                    <a:lstStyle/>
+                    <a:p>
+                      <a:r>
+                        <a:rPr lang="en-US" sz="1200" dirty="0" smtClean="0"/>
+                        <a:t>Jan</a:t>
+                      </a:r>
+                      <a:endParaRPr lang="en-US" sz="1200" dirty="0"/>
+                    </a:p>
+                  </a:txBody>
+                  <a:tcPr/>
+                </a:tc>
+                <a:tc>
+                  <a:txBody>
+                    <a:bodyPr/>
+                    <a:lstStyle/>
+                    <a:p>
+                      <a:r>
+                        <a:rPr lang="en-US" sz="1200" dirty="0" smtClean="0"/>
+                        <a:t>Feb</a:t>
+                      </a:r>
+                      <a:endParaRPr lang="en-US" sz="1200" dirty="0"/>
+                    </a:p>
+                  </a:txBody>
+                  <a:tcPr/>
+                </a:tc>
+                <a:tc>
+                  <a:txBody>
+                    <a:bodyPr/>
+                    <a:lstStyle/>
+                    <a:p>
+                      <a:r>
+                        <a:rPr lang="en-US" sz="1200" dirty="0" smtClean="0"/>
+                        <a:t>Mar</a:t>
+                      </a:r>
+                      <a:endParaRPr lang="en-US" sz="1200" dirty="0"/>
+                    </a:p>
+                  </a:txBody>
+                  <a:tcPr/>
+                </a:tc>
+                <a:tc>
+                  <a:txBody>
+                    <a:bodyPr/>
+                    <a:lstStyle/>
+                    <a:p>
+                      <a:r>
+                        <a:rPr lang="en-US" sz="1200" dirty="0" smtClean="0"/>
+                        <a:t>Apr</a:t>
+                      </a:r>
+                      <a:endParaRPr lang="en-US" sz="1200" dirty="0"/>
+                    </a:p>
+                  </a:txBody>
+                  <a:tcPr/>
+                </a:tc>
+                <a:tc>
+                  <a:txBody>
+                    <a:bodyPr/>
+                    <a:lstStyle/>
+                    <a:p>
+                      <a:r>
+                        <a:rPr lang="en-US" sz="1200" dirty="0" smtClean="0"/>
+                        <a:t>May</a:t>
+                      </a:r>
+                      <a:endParaRPr lang="en-US" sz="1200" dirty="0"/>
+                    </a:p>
+                  </a:txBody>
+                  <a:tcPr/>
+                </a:tc>
+                <a:tc>
+                  <a:txBody>
+                    <a:bodyPr/>
+                    <a:lstStyle/>
+                    <a:p>
+                      <a:r>
+                        <a:rPr lang="en-US" sz="1200" dirty="0" smtClean="0"/>
+                        <a:t>Jun</a:t>
+                      </a:r>
+                      <a:endParaRPr lang="en-US" sz="1200" dirty="0"/>
+                    </a:p>
+                  </a:txBody>
+                  <a:tcPr/>
+                </a:tc>
+                <a:tc>
+                  <a:txBody>
+                    <a:bodyPr/>
+                    <a:lstStyle/>
+                    <a:p>
+                      <a:r>
+                        <a:rPr lang="en-US" sz="1200" dirty="0" smtClean="0"/>
+                        <a:t>July</a:t>
+                      </a:r>
+                      <a:endParaRPr lang="en-US" sz="1200" dirty="0"/>
+                    </a:p>
+                  </a:txBody>
+                  <a:tcPr/>
+                </a:tc>
+                <a:tc>
+                  <a:txBody>
+                    <a:bodyPr/>
+                    <a:lstStyle/>
+                    <a:p>
+                      <a:r>
+                        <a:rPr lang="en-US" sz="1200" dirty="0" smtClean="0"/>
+                        <a:t>Aug</a:t>
+                      </a:r>
+                      <a:endParaRPr lang="en-US" sz="1200" dirty="0"/>
+                    </a:p>
+                  </a:txBody>
+                  <a:tcPr/>
+                </a:tc>
+                <a:tc>
+                  <a:txBody>
+                    <a:bodyPr/>
+                    <a:lstStyle/>
+                    <a:p>
+                      <a:r>
+                        <a:rPr lang="en-US" sz="1200" dirty="0" smtClean="0"/>
+                        <a:t>Sep</a:t>
+                      </a:r>
+                      <a:endParaRPr lang="en-US" sz="1200" dirty="0"/>
+                    </a:p>
+                  </a:txBody>
+                  <a:tcPr/>
+                </a:tc>
+                <a:tc>
+                  <a:txBody>
+                    <a:bodyPr/>
+                    <a:lstStyle/>
+                    <a:p>
+                      <a:r>
+                        <a:rPr lang="en-US" sz="1200" dirty="0" smtClean="0"/>
+                        <a:t>Oct</a:t>
+                      </a:r>
+                      <a:endParaRPr lang="en-US" sz="1200" dirty="0"/>
+                    </a:p>
+                  </a:txBody>
+                  <a:tcPr/>
+                </a:tc>
+                <a:tc>
+                  <a:txBody>
+                    <a:bodyPr/>
+                    <a:lstStyle/>
+                    <a:p>
+                      <a:r>
+                        <a:rPr lang="en-US" sz="1200" dirty="0" smtClean="0"/>
+                        <a:t>Nov</a:t>
+                      </a:r>
+                      <a:endParaRPr lang="en-US" sz="1200" dirty="0"/>
+                    </a:p>
+                  </a:txBody>
+                  <a:tcPr/>
+                </a:tc>
+                <a:tc>
+                  <a:txBody>
+                    <a:bodyPr/>
+                    <a:lstStyle/>
+                    <a:p>
+                      <a:r>
+                        <a:rPr lang="en-US" sz="1200" dirty="0" smtClean="0"/>
+                        <a:t>Dec</a:t>
+                      </a:r>
+                      <a:endParaRPr lang="en-US" sz="1200" dirty="0"/>
+                    </a:p>
+                  </a:txBody>
+                  <a:tcPr/>
+                </a:tc>
+                <a:tc>
+                  <a:txBody>
+                    <a:bodyPr/>
+                    <a:lstStyle/>
+                    <a:p>
+                      <a:r>
+                        <a:rPr lang="en-US" sz="1200" dirty="0" smtClean="0"/>
+                        <a:t>Jan</a:t>
+                      </a:r>
+                      <a:endParaRPr lang="en-US" sz="1200" dirty="0"/>
+                    </a:p>
+                  </a:txBody>
+                  <a:tcPr/>
+                </a:tc>
+                <a:tc>
+                  <a:txBody>
+                    <a:bodyPr/>
+                    <a:lstStyle/>
+                    <a:p>
+                      <a:r>
+                        <a:rPr lang="en-US" sz="1200" dirty="0" smtClean="0"/>
+                        <a:t>Feb</a:t>
+                      </a:r>
+                      <a:endParaRPr lang="en-US" sz="1200" dirty="0"/>
+                    </a:p>
+                  </a:txBody>
+                  <a:tcPr/>
+                </a:tc>
+                <a:tc>
+                  <a:txBody>
+                    <a:bodyPr/>
+                    <a:lstStyle/>
+                    <a:p>
+                      <a:r>
+                        <a:rPr lang="en-US" sz="1200" dirty="0" smtClean="0"/>
+                        <a:t>Mar</a:t>
+                      </a:r>
+                      <a:endParaRPr lang="en-US" sz="1200" dirty="0"/>
+                    </a:p>
+                  </a:txBody>
+                  <a:tcPr/>
+                </a:tc>
+              </a:tr>
+            </a:tbl>
+          </a:graphicData>
+        </a:graphic>
+      </p:graphicFrame>
+      <p:grpSp>
+        <p:nvGrpSpPr>
+          <p:cNvPr id="14" name="Group 13"/>
+          <p:cNvGrpSpPr/>
+          <p:nvPr/>
+        </p:nvGrpSpPr>
+        <p:grpSpPr>
+          <a:xfrm>
+            <a:off x="1992871" y="3208142"/>
+            <a:ext cx="445529" cy="1516258"/>
+            <a:chOff x="1992871" y="3208142"/>
+            <a:chExt cx="445529" cy="1516258"/>
+          </a:xfrm>
+          <a:solidFill>
+            <a:schemeClr val="bg1">
+              <a:lumMod val="85000"/>
+            </a:schemeClr>
+          </a:solidFill>
+        </p:grpSpPr>
+        <p:sp>
+          <p:nvSpPr>
+            <p:cNvPr id="15" name="Oval 14"/>
+            <p:cNvSpPr/>
+            <p:nvPr/>
+          </p:nvSpPr>
+          <p:spPr>
+            <a:xfrm>
+              <a:off x="1992871" y="4291183"/>
+              <a:ext cx="445529" cy="433217"/>
+            </a:xfrm>
+            <a:prstGeom prst="ellipse">
+              <a:avLst/>
+            </a:prstGeom>
+            <a:grpFill/>
+          </p:spPr>
+          <p:style>
+            <a:lnRef idx="2">
+              <a:schemeClr val="accent1">
+                <a:shade val="50000"/>
+              </a:schemeClr>
+            </a:lnRef>
+            <a:fillRef idx="1">
+              <a:schemeClr val="accent1"/>
+            </a:fillRef>
+            <a:effectRef idx="0">
+              <a:schemeClr val="accent1"/>
+            </a:effectRef>
+            <a:fontRef idx="minor">
+              <a:schemeClr val="lt1"/>
+            </a:fontRef>
+          </p:style>
+          <p:txBody>
+            <a:bodyPr rtlCol="0" anchor="ctr"/>
+            <a:lstStyle/>
+            <a:p>
+              <a:pPr algn="ctr"/>
+              <a:endParaRPr lang="en-US" sz="1000" dirty="0"/>
+            </a:p>
+          </p:txBody>
+        </p:sp>
+        <p:sp>
+          <p:nvSpPr>
+            <p:cNvPr id="16" name="Oval 15"/>
+            <p:cNvSpPr/>
+            <p:nvPr/>
+          </p:nvSpPr>
+          <p:spPr>
+            <a:xfrm>
+              <a:off x="2001401" y="3208142"/>
+              <a:ext cx="436999" cy="433217"/>
+            </a:xfrm>
+            <a:prstGeom prst="ellipse">
+              <a:avLst/>
+            </a:prstGeom>
+            <a:grpFill/>
+          </p:spPr>
+          <p:style>
+            <a:lnRef idx="2">
+              <a:schemeClr val="accent3">
+                <a:shade val="50000"/>
+              </a:schemeClr>
+            </a:lnRef>
+            <a:fillRef idx="1">
+              <a:schemeClr val="accent3"/>
+            </a:fillRef>
+            <a:effectRef idx="0">
+              <a:schemeClr val="accent3"/>
+            </a:effectRef>
+            <a:fontRef idx="minor">
+              <a:schemeClr val="lt1"/>
+            </a:fontRef>
+          </p:style>
+          <p:txBody>
+            <a:bodyPr rtlCol="0" anchor="ctr"/>
+            <a:lstStyle/>
+            <a:p>
+              <a:pPr algn="ctr"/>
+              <a:endParaRPr lang="en-US" sz="1200" dirty="0"/>
+            </a:p>
+          </p:txBody>
+        </p:sp>
+      </p:grpSp>
+      <p:grpSp>
+        <p:nvGrpSpPr>
+          <p:cNvPr id="17" name="Group 16"/>
+          <p:cNvGrpSpPr/>
+          <p:nvPr/>
+        </p:nvGrpSpPr>
+        <p:grpSpPr>
+          <a:xfrm>
+            <a:off x="3288271" y="3741920"/>
+            <a:ext cx="445529" cy="974737"/>
+            <a:chOff x="3288271" y="3741920"/>
+            <a:chExt cx="445529" cy="974737"/>
+          </a:xfrm>
+          <a:solidFill>
+            <a:schemeClr val="bg1">
+              <a:lumMod val="85000"/>
+            </a:schemeClr>
+          </a:solidFill>
+        </p:grpSpPr>
+        <p:sp>
+          <p:nvSpPr>
+            <p:cNvPr id="18" name="Oval 17"/>
+            <p:cNvSpPr/>
+            <p:nvPr/>
+          </p:nvSpPr>
+          <p:spPr>
+            <a:xfrm>
+              <a:off x="3288271" y="4283441"/>
+              <a:ext cx="445529" cy="433216"/>
+            </a:xfrm>
+            <a:prstGeom prst="ellipse">
+              <a:avLst/>
+            </a:prstGeom>
+            <a:grpFill/>
+          </p:spPr>
+          <p:style>
+            <a:lnRef idx="2">
+              <a:schemeClr val="accent1">
+                <a:shade val="50000"/>
+              </a:schemeClr>
+            </a:lnRef>
+            <a:fillRef idx="1">
+              <a:schemeClr val="accent1"/>
+            </a:fillRef>
+            <a:effectRef idx="0">
+              <a:schemeClr val="accent1"/>
+            </a:effectRef>
+            <a:fontRef idx="minor">
+              <a:schemeClr val="lt1"/>
+            </a:fontRef>
+          </p:style>
+          <p:txBody>
+            <a:bodyPr rtlCol="0" anchor="ctr"/>
+            <a:lstStyle/>
+            <a:p>
+              <a:pPr algn="ctr"/>
+              <a:endParaRPr lang="en-US" sz="1000" dirty="0"/>
+            </a:p>
+          </p:txBody>
+        </p:sp>
+        <p:sp>
+          <p:nvSpPr>
+            <p:cNvPr id="19" name="Oval 18"/>
+            <p:cNvSpPr/>
+            <p:nvPr/>
+          </p:nvSpPr>
+          <p:spPr>
+            <a:xfrm>
+              <a:off x="3288271" y="3741920"/>
+              <a:ext cx="445529" cy="433216"/>
+            </a:xfrm>
+            <a:prstGeom prst="ellipse">
+              <a:avLst/>
+            </a:prstGeom>
+            <a:grpFill/>
+          </p:spPr>
+          <p:style>
+            <a:lnRef idx="2">
+              <a:schemeClr val="accent2">
+                <a:shade val="50000"/>
+              </a:schemeClr>
+            </a:lnRef>
+            <a:fillRef idx="1">
+              <a:schemeClr val="accent2"/>
+            </a:fillRef>
+            <a:effectRef idx="0">
+              <a:schemeClr val="accent2"/>
+            </a:effectRef>
+            <a:fontRef idx="minor">
+              <a:schemeClr val="lt1"/>
+            </a:fontRef>
+          </p:style>
+          <p:txBody>
+            <a:bodyPr rtlCol="0" anchor="ctr"/>
+            <a:lstStyle/>
+            <a:p>
+              <a:pPr algn="ctr"/>
+              <a:endParaRPr lang="en-US" sz="1200" dirty="0"/>
+            </a:p>
+          </p:txBody>
+        </p:sp>
+      </p:grpSp>
+      <p:grpSp>
+        <p:nvGrpSpPr>
+          <p:cNvPr id="20" name="Group 19"/>
+          <p:cNvGrpSpPr/>
+          <p:nvPr/>
+        </p:nvGrpSpPr>
+        <p:grpSpPr>
+          <a:xfrm>
+            <a:off x="5193271" y="3238537"/>
+            <a:ext cx="445529" cy="974737"/>
+            <a:chOff x="5193271" y="3238537"/>
+            <a:chExt cx="445529" cy="974737"/>
+          </a:xfrm>
+          <a:solidFill>
+            <a:schemeClr val="bg1">
+              <a:lumMod val="85000"/>
+            </a:schemeClr>
+          </a:solidFill>
+        </p:grpSpPr>
+        <p:sp>
+          <p:nvSpPr>
+            <p:cNvPr id="21" name="Oval 20"/>
+            <p:cNvSpPr/>
+            <p:nvPr/>
+          </p:nvSpPr>
+          <p:spPr>
+            <a:xfrm>
+              <a:off x="5201801" y="3238537"/>
+              <a:ext cx="436999" cy="433216"/>
+            </a:xfrm>
+            <a:prstGeom prst="ellipse">
+              <a:avLst/>
+            </a:prstGeom>
+            <a:grpFill/>
+          </p:spPr>
+          <p:style>
+            <a:lnRef idx="2">
+              <a:schemeClr val="accent3">
+                <a:shade val="50000"/>
+              </a:schemeClr>
+            </a:lnRef>
+            <a:fillRef idx="1">
+              <a:schemeClr val="accent3"/>
+            </a:fillRef>
+            <a:effectRef idx="0">
+              <a:schemeClr val="accent3"/>
+            </a:effectRef>
+            <a:fontRef idx="minor">
+              <a:schemeClr val="lt1"/>
+            </a:fontRef>
+          </p:style>
+          <p:txBody>
+            <a:bodyPr rtlCol="0" anchor="ctr"/>
+            <a:lstStyle/>
+            <a:p>
+              <a:pPr algn="ctr"/>
+              <a:endParaRPr lang="en-US" sz="1200" dirty="0"/>
+            </a:p>
+          </p:txBody>
+        </p:sp>
+        <p:sp>
+          <p:nvSpPr>
+            <p:cNvPr id="22" name="Oval 21"/>
+            <p:cNvSpPr/>
+            <p:nvPr/>
+          </p:nvSpPr>
+          <p:spPr>
+            <a:xfrm>
+              <a:off x="5193271" y="3780058"/>
+              <a:ext cx="445529" cy="433216"/>
+            </a:xfrm>
+            <a:prstGeom prst="ellipse">
+              <a:avLst/>
+            </a:prstGeom>
+            <a:grpFill/>
+          </p:spPr>
+          <p:style>
+            <a:lnRef idx="2">
+              <a:schemeClr val="accent2">
+                <a:shade val="50000"/>
+              </a:schemeClr>
+            </a:lnRef>
+            <a:fillRef idx="1">
+              <a:schemeClr val="accent2"/>
+            </a:fillRef>
+            <a:effectRef idx="0">
+              <a:schemeClr val="accent2"/>
+            </a:effectRef>
+            <a:fontRef idx="minor">
+              <a:schemeClr val="lt1"/>
+            </a:fontRef>
+          </p:style>
+          <p:txBody>
+            <a:bodyPr rtlCol="0" anchor="ctr"/>
+            <a:lstStyle/>
+            <a:p>
+              <a:pPr algn="ctr"/>
+              <a:endParaRPr lang="en-US" sz="1200" dirty="0"/>
+            </a:p>
+          </p:txBody>
+        </p:sp>
+      </p:grpSp>
+      <p:grpSp>
+        <p:nvGrpSpPr>
+          <p:cNvPr id="23" name="Group 22"/>
+          <p:cNvGrpSpPr/>
+          <p:nvPr/>
+        </p:nvGrpSpPr>
+        <p:grpSpPr>
+          <a:xfrm>
+            <a:off x="6629400" y="3235294"/>
+            <a:ext cx="445529" cy="1516258"/>
+            <a:chOff x="6629400" y="3235294"/>
+            <a:chExt cx="445529" cy="1516258"/>
+          </a:xfrm>
+          <a:solidFill>
+            <a:schemeClr val="bg1">
+              <a:lumMod val="85000"/>
+            </a:schemeClr>
+          </a:solidFill>
+        </p:grpSpPr>
+        <p:sp>
+          <p:nvSpPr>
+            <p:cNvPr id="24" name="Oval 23"/>
+            <p:cNvSpPr/>
+            <p:nvPr/>
+          </p:nvSpPr>
+          <p:spPr>
+            <a:xfrm>
+              <a:off x="6629400" y="4318335"/>
+              <a:ext cx="445529" cy="433217"/>
+            </a:xfrm>
+            <a:prstGeom prst="ellipse">
+              <a:avLst/>
+            </a:prstGeom>
+            <a:grpFill/>
+          </p:spPr>
+          <p:style>
+            <a:lnRef idx="2">
+              <a:schemeClr val="accent1">
+                <a:shade val="50000"/>
+              </a:schemeClr>
+            </a:lnRef>
+            <a:fillRef idx="1">
+              <a:schemeClr val="accent1"/>
+            </a:fillRef>
+            <a:effectRef idx="0">
+              <a:schemeClr val="accent1"/>
+            </a:effectRef>
+            <a:fontRef idx="minor">
+              <a:schemeClr val="lt1"/>
+            </a:fontRef>
+          </p:style>
+          <p:txBody>
+            <a:bodyPr rtlCol="0" anchor="ctr"/>
+            <a:lstStyle/>
+            <a:p>
+              <a:pPr algn="ctr"/>
+              <a:endParaRPr lang="en-US" sz="1000" dirty="0"/>
+            </a:p>
+          </p:txBody>
+        </p:sp>
+        <p:sp>
+          <p:nvSpPr>
+            <p:cNvPr id="25" name="Oval 24"/>
+            <p:cNvSpPr/>
+            <p:nvPr/>
+          </p:nvSpPr>
+          <p:spPr>
+            <a:xfrm>
+              <a:off x="6637930" y="3235294"/>
+              <a:ext cx="436999" cy="433217"/>
+            </a:xfrm>
+            <a:prstGeom prst="ellipse">
+              <a:avLst/>
+            </a:prstGeom>
+            <a:grpFill/>
+          </p:spPr>
+          <p:style>
+            <a:lnRef idx="2">
+              <a:schemeClr val="accent3">
+                <a:shade val="50000"/>
+              </a:schemeClr>
+            </a:lnRef>
+            <a:fillRef idx="1">
+              <a:schemeClr val="accent3"/>
+            </a:fillRef>
+            <a:effectRef idx="0">
+              <a:schemeClr val="accent3"/>
+            </a:effectRef>
+            <a:fontRef idx="minor">
+              <a:schemeClr val="lt1"/>
+            </a:fontRef>
+          </p:style>
+          <p:txBody>
+            <a:bodyPr rtlCol="0" anchor="ctr"/>
+            <a:lstStyle/>
+            <a:p>
+              <a:pPr algn="ctr"/>
+              <a:endParaRPr lang="en-US" sz="1200" dirty="0"/>
+            </a:p>
+          </p:txBody>
+        </p:sp>
+      </p:grpSp>
+      <p:graphicFrame>
+        <p:nvGraphicFramePr>
+          <p:cNvPr id="26" name="Table 25"/>
+          <p:cNvGraphicFramePr>
+            <a:graphicFrameLocks noGrp="1"/>
+          </p:cNvGraphicFramePr>
+          <p:nvPr>
+            <p:extLst>
+              <p:ext uri="{D42A27DB-BD31-4B8C-83A1-F6EECF244321}">
+                <p14:modId xmlns:p14="http://schemas.microsoft.com/office/powerpoint/2010/main" val="3342126400"/>
+              </p:ext>
+            </p:extLst>
+          </p:nvPr>
+        </p:nvGraphicFramePr>
+        <p:xfrm>
+          <a:off x="1167565" y="1352007"/>
+          <a:ext cx="2794835" cy="1641263"/>
+        </p:xfrm>
+        <a:graphic>
+          <a:graphicData uri="http://schemas.openxmlformats.org/drawingml/2006/table">
+            <a:tbl>
+              <a:tblPr firstRow="1" bandRow="1">
+                <a:tableStyleId>{2D5ABB26-0587-4C30-8999-92F81FD0307C}</a:tableStyleId>
+              </a:tblPr>
+              <a:tblGrid>
+                <a:gridCol w="2794835"/>
+              </a:tblGrid>
+              <a:tr h="542065">
+                <a:tc>
+                  <a:txBody>
+                    <a:bodyPr/>
+                    <a:lstStyle/>
+                    <a:p>
+                      <a:r>
+                        <a:rPr lang="en-US" sz="1400" dirty="0" smtClean="0"/>
+                        <a:t>.exe [</a:t>
+                      </a:r>
+                      <a:r>
+                        <a:rPr lang="en-US" sz="1400" dirty="0" err="1" smtClean="0"/>
+                        <a:t>executables</a:t>
+                      </a:r>
+                      <a:r>
+                        <a:rPr lang="en-US" sz="1400" dirty="0" smtClean="0"/>
+                        <a:t> and </a:t>
+                      </a:r>
+                      <a:r>
+                        <a:rPr lang="en-US" sz="1400" dirty="0" err="1" smtClean="0"/>
+                        <a:t>misc</a:t>
+                      </a:r>
+                      <a:r>
+                        <a:rPr lang="en-US" sz="1400" dirty="0" smtClean="0"/>
+                        <a:t>]</a:t>
+                      </a:r>
+                      <a:endParaRPr lang="en-US" sz="1400" dirty="0"/>
+                    </a:p>
+                  </a:txBody>
+                  <a:tcPr/>
+                </a:tc>
+              </a:tr>
+              <a:tr h="544328">
+                <a:tc>
+                  <a:txBody>
+                    <a:bodyPr/>
+                    <a:lstStyle/>
+                    <a:p>
+                      <a:r>
+                        <a:rPr lang="en-US" sz="1400" dirty="0" smtClean="0"/>
+                        <a:t>.doc, .txt,</a:t>
+                      </a:r>
+                      <a:r>
+                        <a:rPr lang="en-US" sz="1400" baseline="0" dirty="0" smtClean="0"/>
+                        <a:t> .</a:t>
+                      </a:r>
+                      <a:r>
+                        <a:rPr lang="en-US" sz="1400" baseline="0" dirty="0" err="1" smtClean="0"/>
+                        <a:t>ppt</a:t>
+                      </a:r>
+                      <a:r>
+                        <a:rPr lang="en-US" sz="1400" baseline="0" dirty="0" smtClean="0"/>
+                        <a:t>… [documents]</a:t>
+                      </a:r>
+                      <a:endParaRPr lang="en-US" sz="1400" dirty="0"/>
+                    </a:p>
+                  </a:txBody>
+                  <a:tcPr/>
+                </a:tc>
+              </a:tr>
+              <a:tr h="554870">
+                <a:tc>
+                  <a:txBody>
+                    <a:bodyPr/>
+                    <a:lstStyle/>
+                    <a:p>
+                      <a:r>
+                        <a:rPr lang="en-US" sz="1400" dirty="0" smtClean="0"/>
+                        <a:t>.</a:t>
+                      </a:r>
+                      <a:r>
+                        <a:rPr lang="en-US" sz="1400" dirty="0" err="1" smtClean="0"/>
+                        <a:t>img</a:t>
+                      </a:r>
+                      <a:r>
+                        <a:rPr lang="en-US" sz="1400" dirty="0" smtClean="0"/>
+                        <a:t>,</a:t>
+                      </a:r>
+                      <a:r>
+                        <a:rPr lang="en-US" sz="1400" baseline="0" dirty="0" smtClean="0"/>
+                        <a:t> .mp4…. [images, audio, video]</a:t>
+                      </a:r>
+                      <a:endParaRPr lang="en-US" sz="1400" dirty="0"/>
+                    </a:p>
+                  </a:txBody>
+                  <a:tcPr/>
+                </a:tc>
+              </a:tr>
+            </a:tbl>
+          </a:graphicData>
+        </a:graphic>
+      </p:graphicFrame>
+      <p:sp>
+        <p:nvSpPr>
+          <p:cNvPr id="27" name="Title 88"/>
+          <p:cNvSpPr>
+            <a:spLocks noGrp="1"/>
+          </p:cNvSpPr>
+          <p:nvPr>
+            <p:ph type="title"/>
+          </p:nvPr>
+        </p:nvSpPr>
+        <p:spPr>
+          <a:xfrm>
+            <a:off x="457200" y="0"/>
+            <a:ext cx="8229600" cy="1143000"/>
+          </a:xfrm>
+          <a:solidFill>
+            <a:schemeClr val="bg1"/>
+          </a:solidFill>
+        </p:spPr>
+        <p:txBody>
+          <a:bodyPr>
+            <a:normAutofit/>
+          </a:bodyPr>
+          <a:lstStyle/>
+          <a:p>
+            <a:r>
+              <a:rPr lang="en-US" dirty="0" smtClean="0"/>
+              <a:t>Filter results</a:t>
+            </a:r>
+            <a:endParaRPr lang="en-US" dirty="0"/>
+          </a:p>
+        </p:txBody>
+      </p:sp>
+      <p:grpSp>
+        <p:nvGrpSpPr>
+          <p:cNvPr id="28" name="Group 27"/>
+          <p:cNvGrpSpPr/>
+          <p:nvPr/>
+        </p:nvGrpSpPr>
+        <p:grpSpPr>
+          <a:xfrm>
+            <a:off x="537863" y="1295400"/>
+            <a:ext cx="445529" cy="1516258"/>
+            <a:chOff x="537863" y="1295400"/>
+            <a:chExt cx="445529" cy="1516258"/>
+          </a:xfrm>
+          <a:solidFill>
+            <a:schemeClr val="bg1">
+              <a:lumMod val="85000"/>
+            </a:schemeClr>
+          </a:solidFill>
+        </p:grpSpPr>
+        <p:sp>
+          <p:nvSpPr>
+            <p:cNvPr id="29" name="Oval 28"/>
+            <p:cNvSpPr/>
+            <p:nvPr/>
+          </p:nvSpPr>
+          <p:spPr>
+            <a:xfrm>
+              <a:off x="537863" y="2378441"/>
+              <a:ext cx="445529" cy="433217"/>
+            </a:xfrm>
+            <a:prstGeom prst="ellipse">
+              <a:avLst/>
+            </a:prstGeom>
+            <a:grpFill/>
+          </p:spPr>
+          <p:style>
+            <a:lnRef idx="2">
+              <a:schemeClr val="accent1">
+                <a:shade val="50000"/>
+              </a:schemeClr>
+            </a:lnRef>
+            <a:fillRef idx="1">
+              <a:schemeClr val="accent1"/>
+            </a:fillRef>
+            <a:effectRef idx="0">
+              <a:schemeClr val="accent1"/>
+            </a:effectRef>
+            <a:fontRef idx="minor">
+              <a:schemeClr val="lt1"/>
+            </a:fontRef>
+          </p:style>
+          <p:txBody>
+            <a:bodyPr rtlCol="0" anchor="ctr"/>
+            <a:lstStyle/>
+            <a:p>
+              <a:pPr algn="ctr"/>
+              <a:endParaRPr lang="en-US" sz="1000" dirty="0"/>
+            </a:p>
+          </p:txBody>
+        </p:sp>
+        <p:sp>
+          <p:nvSpPr>
+            <p:cNvPr id="30" name="Oval 29"/>
+            <p:cNvSpPr/>
+            <p:nvPr/>
+          </p:nvSpPr>
+          <p:spPr>
+            <a:xfrm>
+              <a:off x="546393" y="1295400"/>
+              <a:ext cx="436999" cy="433217"/>
+            </a:xfrm>
+            <a:prstGeom prst="ellipse">
+              <a:avLst/>
+            </a:prstGeom>
+            <a:grpFill/>
+          </p:spPr>
+          <p:style>
+            <a:lnRef idx="2">
+              <a:schemeClr val="accent3">
+                <a:shade val="50000"/>
+              </a:schemeClr>
+            </a:lnRef>
+            <a:fillRef idx="1">
+              <a:schemeClr val="accent3"/>
+            </a:fillRef>
+            <a:effectRef idx="0">
+              <a:schemeClr val="accent3"/>
+            </a:effectRef>
+            <a:fontRef idx="minor">
+              <a:schemeClr val="lt1"/>
+            </a:fontRef>
+          </p:style>
+          <p:txBody>
+            <a:bodyPr rtlCol="0" anchor="ctr"/>
+            <a:lstStyle/>
+            <a:p>
+              <a:pPr algn="ctr"/>
+              <a:endParaRPr lang="en-US" sz="1200" dirty="0"/>
+            </a:p>
+          </p:txBody>
+        </p:sp>
+        <p:sp>
+          <p:nvSpPr>
+            <p:cNvPr id="31" name="Oval 30"/>
+            <p:cNvSpPr/>
+            <p:nvPr/>
+          </p:nvSpPr>
+          <p:spPr>
+            <a:xfrm>
+              <a:off x="537863" y="1836921"/>
+              <a:ext cx="445529" cy="433217"/>
+            </a:xfrm>
+            <a:prstGeom prst="ellipse">
+              <a:avLst/>
+            </a:prstGeom>
+            <a:grpFill/>
+          </p:spPr>
+          <p:style>
+            <a:lnRef idx="2">
+              <a:schemeClr val="accent2">
+                <a:shade val="50000"/>
+              </a:schemeClr>
+            </a:lnRef>
+            <a:fillRef idx="1">
+              <a:schemeClr val="accent2"/>
+            </a:fillRef>
+            <a:effectRef idx="0">
+              <a:schemeClr val="accent2"/>
+            </a:effectRef>
+            <a:fontRef idx="minor">
+              <a:schemeClr val="lt1"/>
+            </a:fontRef>
+          </p:style>
+          <p:txBody>
+            <a:bodyPr rtlCol="0" anchor="ctr"/>
+            <a:lstStyle/>
+            <a:p>
+              <a:pPr algn="ctr"/>
+              <a:endParaRPr lang="en-US" sz="1200" dirty="0"/>
+            </a:p>
+          </p:txBody>
+        </p:sp>
+      </p:grpSp>
+      <p:sp>
+        <p:nvSpPr>
+          <p:cNvPr id="32" name="TextBox 31"/>
+          <p:cNvSpPr txBox="1"/>
+          <p:nvPr/>
+        </p:nvSpPr>
+        <p:spPr>
+          <a:xfrm>
+            <a:off x="2730812" y="6238009"/>
+            <a:ext cx="4125617" cy="369332"/>
+          </a:xfrm>
+          <a:prstGeom prst="rect">
+            <a:avLst/>
+          </a:prstGeom>
+          <a:solidFill>
+            <a:schemeClr val="bg1">
+              <a:lumMod val="85000"/>
+            </a:schemeClr>
+          </a:solidFill>
+          <a:ln cap="rnd"/>
+          <a:scene3d>
+            <a:camera prst="orthographicFront"/>
+            <a:lightRig rig="threePt" dir="t"/>
+          </a:scene3d>
+          <a:sp3d>
+            <a:bevelT prst="angle"/>
+          </a:sp3d>
+        </p:spPr>
+        <p:style>
+          <a:lnRef idx="2">
+            <a:schemeClr val="accent1"/>
+          </a:lnRef>
+          <a:fillRef idx="1">
+            <a:schemeClr val="lt1"/>
+          </a:fillRef>
+          <a:effectRef idx="0">
+            <a:schemeClr val="accent1"/>
+          </a:effectRef>
+          <a:fontRef idx="minor">
+            <a:schemeClr val="dk1"/>
+          </a:fontRef>
+        </p:style>
+        <p:txBody>
+          <a:bodyPr wrap="none" rtlCol="0">
+            <a:spAutoFit/>
+          </a:bodyPr>
+          <a:lstStyle/>
+          <a:p>
+            <a:pPr algn="ctr"/>
+            <a:r>
+              <a:rPr lang="en-US" dirty="0" smtClean="0"/>
+              <a:t>Date (last updated)/</a:t>
+            </a:r>
+            <a:r>
+              <a:rPr lang="en-US" dirty="0"/>
+              <a:t>Creation </a:t>
+            </a:r>
+            <a:r>
+              <a:rPr lang="en-US" dirty="0" smtClean="0"/>
+              <a:t>date (toggle)</a:t>
+            </a:r>
+            <a:endParaRPr lang="en-US" dirty="0"/>
+          </a:p>
+        </p:txBody>
+      </p:sp>
+      <p:sp>
+        <p:nvSpPr>
+          <p:cNvPr id="33" name="Rectangle 32"/>
+          <p:cNvSpPr/>
+          <p:nvPr/>
+        </p:nvSpPr>
+        <p:spPr>
+          <a:xfrm>
+            <a:off x="6553200" y="1219200"/>
+            <a:ext cx="1485900" cy="292808"/>
+          </a:xfrm>
+          <a:prstGeom prst="rect">
+            <a:avLst/>
+          </a:prstGeom>
+          <a:effectLst>
+            <a:outerShdw blurRad="50800" dist="38100" dir="2700000" algn="tl" rotWithShape="0">
+              <a:prstClr val="black">
+                <a:alpha val="40000"/>
+              </a:prstClr>
+            </a:outerShdw>
+          </a:effectLst>
+          <a:scene3d>
+            <a:camera prst="orthographicFront"/>
+            <a:lightRig rig="threePt" dir="t"/>
+          </a:scene3d>
+          <a:sp3d>
+            <a:bevelT prst="relaxedInset"/>
+          </a:sp3d>
+        </p:spPr>
+        <p:style>
+          <a:lnRef idx="2">
+            <a:schemeClr val="accent1"/>
+          </a:lnRef>
+          <a:fillRef idx="1">
+            <a:schemeClr val="lt1"/>
+          </a:fillRef>
+          <a:effectRef idx="0">
+            <a:schemeClr val="accent1"/>
+          </a:effectRef>
+          <a:fontRef idx="minor">
+            <a:schemeClr val="dk1"/>
+          </a:fontRef>
+        </p:style>
+        <p:txBody>
+          <a:bodyPr rtlCol="0" anchor="ctr"/>
+          <a:lstStyle/>
+          <a:p>
+            <a:pPr algn="ctr"/>
+            <a:endParaRPr lang="en-US"/>
+          </a:p>
+        </p:txBody>
+      </p:sp>
+      <p:pic>
+        <p:nvPicPr>
+          <p:cNvPr id="34" name="Picture 2" descr="C:\Users\Dzhu\AppData\Local\Microsoft\Windows\Temporary Internet Files\Content.IE5\PGOJC390\MC900431608[1].png"/>
+          <p:cNvPicPr>
+            <a:picLocks noChangeAspect="1" noChangeArrowheads="1"/>
+          </p:cNvPicPr>
+          <p:nvPr/>
+        </p:nvPicPr>
+        <p:blipFill>
+          <a:blip r:embed="rId2">
+            <a:extLst>
+              <a:ext uri="{28A0092B-C50C-407E-A947-70E740481C1C}">
+                <a14:useLocalDpi xmlns:a14="http://schemas.microsoft.com/office/drawing/2010/main" val="0"/>
+              </a:ext>
+            </a:extLst>
+          </a:blip>
+          <a:srcRect/>
+          <a:stretch>
+            <a:fillRect/>
+          </a:stretch>
+        </p:blipFill>
+        <p:spPr bwMode="auto">
+          <a:xfrm>
+            <a:off x="8077200" y="1063044"/>
+            <a:ext cx="665573" cy="665573"/>
+          </a:xfrm>
+          <a:prstGeom prst="rect">
+            <a:avLst/>
+          </a:prstGeom>
+          <a:noFill/>
+          <a:extLst>
+            <a:ext uri="{909E8E84-426E-40DD-AFC4-6F175D3DCCD1}">
+              <a14:hiddenFill xmlns:a14="http://schemas.microsoft.com/office/drawing/2010/main">
+                <a:solidFill>
+                  <a:srgbClr val="FFFFFF"/>
+                </a:solidFill>
+              </a14:hiddenFill>
+            </a:ext>
+          </a:extLst>
+        </p:spPr>
+      </p:pic>
+      <p:grpSp>
+        <p:nvGrpSpPr>
+          <p:cNvPr id="38" name="Group 37"/>
+          <p:cNvGrpSpPr/>
+          <p:nvPr/>
+        </p:nvGrpSpPr>
+        <p:grpSpPr>
+          <a:xfrm>
+            <a:off x="4953000" y="1791315"/>
+            <a:ext cx="2450235" cy="2492126"/>
+            <a:chOff x="4845916" y="1836922"/>
+            <a:chExt cx="2450235" cy="1933287"/>
+          </a:xfrm>
+        </p:grpSpPr>
+        <p:sp>
+          <p:nvSpPr>
+            <p:cNvPr id="36" name="Line Callout 1 35"/>
+            <p:cNvSpPr/>
+            <p:nvPr/>
+          </p:nvSpPr>
+          <p:spPr>
+            <a:xfrm rot="16200000" flipH="1">
+              <a:off x="5104390" y="1578449"/>
+              <a:ext cx="1933287" cy="2450234"/>
+            </a:xfrm>
+            <a:prstGeom prst="borderCallout1">
+              <a:avLst>
+                <a:gd name="adj1" fmla="val 50370"/>
+                <a:gd name="adj2" fmla="val 308"/>
+                <a:gd name="adj3" fmla="val 68463"/>
+                <a:gd name="adj4" fmla="val -14739"/>
+              </a:avLst>
+            </a:prstGeom>
+          </p:spPr>
+          <p:style>
+            <a:lnRef idx="1">
+              <a:schemeClr val="accent5"/>
+            </a:lnRef>
+            <a:fillRef idx="2">
+              <a:schemeClr val="accent5"/>
+            </a:fillRef>
+            <a:effectRef idx="1">
+              <a:schemeClr val="accent5"/>
+            </a:effectRef>
+            <a:fontRef idx="minor">
+              <a:schemeClr val="dk1"/>
+            </a:fontRef>
+          </p:style>
+          <p:txBody>
+            <a:bodyPr rtlCol="0" anchor="ctr"/>
+            <a:lstStyle/>
+            <a:p>
+              <a:pPr algn="ctr"/>
+              <a:endParaRPr lang="en-US"/>
+            </a:p>
+          </p:txBody>
+        </p:sp>
+        <p:sp>
+          <p:nvSpPr>
+            <p:cNvPr id="37" name="TextBox 36"/>
+            <p:cNvSpPr txBox="1"/>
+            <p:nvPr/>
+          </p:nvSpPr>
+          <p:spPr>
+            <a:xfrm>
+              <a:off x="4845916" y="1885485"/>
+              <a:ext cx="2450235" cy="1569660"/>
+            </a:xfrm>
+            <a:prstGeom prst="rect">
+              <a:avLst/>
+            </a:prstGeom>
+            <a:noFill/>
+          </p:spPr>
+          <p:txBody>
+            <a:bodyPr wrap="square" rtlCol="0">
+              <a:spAutoFit/>
+            </a:bodyPr>
+            <a:lstStyle/>
+            <a:p>
+              <a:pPr marL="285750" indent="-285750">
+                <a:buFont typeface="Wingdings" pitchFamily="2" charset="2"/>
+                <a:buChar char="q"/>
+              </a:pPr>
+              <a:r>
+                <a:rPr lang="en-US" sz="1600" dirty="0" smtClean="0"/>
+                <a:t>Date</a:t>
+              </a:r>
+            </a:p>
+            <a:p>
+              <a:pPr marL="742950" lvl="1" indent="-285750">
+                <a:buFont typeface="Wingdings" pitchFamily="2" charset="2"/>
+                <a:buChar char="q"/>
+              </a:pPr>
+              <a:r>
+                <a:rPr lang="en-US" sz="1600" dirty="0" smtClean="0"/>
+                <a:t>Start  __:__:_____</a:t>
+              </a:r>
+            </a:p>
+            <a:p>
+              <a:pPr marL="742950" lvl="1" indent="-285750">
+                <a:buFont typeface="Wingdings" pitchFamily="2" charset="2"/>
+                <a:buChar char="q"/>
+              </a:pPr>
+              <a:r>
+                <a:rPr lang="en-US" sz="1600" dirty="0" smtClean="0"/>
+                <a:t>End __:__:_____</a:t>
+              </a:r>
+            </a:p>
+            <a:p>
+              <a:pPr marL="285750" indent="-285750">
+                <a:buFont typeface="Wingdings" pitchFamily="2" charset="2"/>
+                <a:buChar char="q"/>
+              </a:pPr>
+              <a:r>
+                <a:rPr lang="en-US" sz="1600" dirty="0" smtClean="0"/>
+                <a:t>File extension</a:t>
+              </a:r>
+            </a:p>
+            <a:p>
+              <a:pPr marL="285750" indent="-285750">
+                <a:buFont typeface="Wingdings" pitchFamily="2" charset="2"/>
+                <a:buChar char="q"/>
+              </a:pPr>
+              <a:r>
+                <a:rPr lang="en-US" sz="1600" dirty="0" smtClean="0"/>
+                <a:t>Size</a:t>
+              </a:r>
+            </a:p>
+            <a:p>
+              <a:pPr marL="285750" indent="-285750">
+                <a:buFont typeface="Wingdings" pitchFamily="2" charset="2"/>
+                <a:buChar char="q"/>
+              </a:pPr>
+              <a:r>
+                <a:rPr lang="en-US" sz="1600" dirty="0" smtClean="0"/>
+                <a:t>(add more stuff here)</a:t>
+              </a:r>
+            </a:p>
+          </p:txBody>
+        </p:sp>
+      </p:grpSp>
+    </p:spTree>
+    <p:extLst>
+      <p:ext uri="{BB962C8B-B14F-4D97-AF65-F5344CB8AC3E}">
+        <p14:creationId xmlns:p14="http://schemas.microsoft.com/office/powerpoint/2010/main" val="4102563633"/>
+      </p:ext>
+    </p:extLst>
+  </p:cSld>
+  <p:clrMapOvr>
+    <a:masterClrMapping/>
+  </p:clrMapOvr>
+</p:sld>
+</file>
+
+<file path=ppt/slides/slide7.xml><?xml version="1.0" encoding="utf-8"?>
+<p:sld xmlns:a="http://schemas.openxmlformats.org/drawingml/2006/main" xmlns:r="http://schemas.openxmlformats.org/officeDocument/2006/relationships" xmlns:p="http://schemas.openxmlformats.org/presentationml/2006/main">
+  <p:cSld>
+    <p:spTree>
+      <p:nvGrpSpPr>
+        <p:cNvPr id="1" name=""/>
+        <p:cNvGrpSpPr/>
+        <p:nvPr/>
+      </p:nvGrpSpPr>
+      <p:grpSpPr>
+        <a:xfrm>
+          <a:off x="0" y="0"/>
+          <a:ext cx="0" cy="0"/>
+          <a:chOff x="0" y="0"/>
+          <a:chExt cx="0" cy="0"/>
+        </a:xfrm>
+      </p:grpSpPr>
+      <p:sp>
+        <p:nvSpPr>
+          <p:cNvPr id="33" name="Right Arrow 32"/>
+          <p:cNvSpPr/>
+          <p:nvPr/>
+        </p:nvSpPr>
+        <p:spPr>
+          <a:xfrm>
+            <a:off x="983392" y="4878345"/>
+            <a:ext cx="7246208" cy="303255"/>
+          </a:xfrm>
+          <a:prstGeom prst="rightArrow">
+            <a:avLst/>
+          </a:prstGeom>
+        </p:spPr>
+        <p:style>
+          <a:lnRef idx="2">
+            <a:schemeClr val="accent1">
+              <a:shade val="50000"/>
+            </a:schemeClr>
+          </a:lnRef>
+          <a:fillRef idx="1002">
+            <a:schemeClr val="dk2"/>
+          </a:fillRef>
+          <a:effectRef idx="0">
+            <a:schemeClr val="accent1"/>
+          </a:effectRef>
+          <a:fontRef idx="minor">
+            <a:schemeClr val="lt1"/>
+          </a:fontRef>
+        </p:style>
+        <p:txBody>
+          <a:bodyPr rtlCol="0" anchor="ctr"/>
+          <a:lstStyle/>
+          <a:p>
+            <a:pPr algn="ctr"/>
+            <a:endParaRPr lang="en-US"/>
+          </a:p>
+        </p:txBody>
+      </p:sp>
+      <p:sp>
+        <p:nvSpPr>
+          <p:cNvPr id="34" name="TextBox 33"/>
+          <p:cNvSpPr txBox="1"/>
+          <p:nvPr/>
+        </p:nvSpPr>
+        <p:spPr>
+          <a:xfrm>
+            <a:off x="426204" y="3433037"/>
+            <a:ext cx="461665" cy="1067011"/>
+          </a:xfrm>
+          <a:prstGeom prst="rect">
+            <a:avLst/>
+          </a:prstGeom>
+          <a:solidFill>
+            <a:schemeClr val="bg1">
+              <a:lumMod val="85000"/>
+            </a:schemeClr>
+          </a:solidFill>
+          <a:scene3d>
+            <a:camera prst="orthographicFront"/>
+            <a:lightRig rig="threePt" dir="t"/>
+          </a:scene3d>
+          <a:sp3d>
+            <a:bevelT prst="angle"/>
+          </a:sp3d>
+        </p:spPr>
+        <p:txBody>
+          <a:bodyPr vert="vert270" wrap="square" rtlCol="0">
+            <a:spAutoFit/>
+          </a:bodyPr>
+          <a:lstStyle/>
+          <a:p>
+            <a:pPr algn="ctr"/>
+            <a:r>
+              <a:rPr lang="en-US" dirty="0" smtClean="0"/>
+              <a:t>File type</a:t>
+            </a:r>
+            <a:endParaRPr lang="en-US" dirty="0"/>
+          </a:p>
+        </p:txBody>
+      </p:sp>
+      <p:sp>
+        <p:nvSpPr>
+          <p:cNvPr id="35" name="TextBox 34"/>
+          <p:cNvSpPr txBox="1"/>
+          <p:nvPr/>
+        </p:nvSpPr>
+        <p:spPr>
+          <a:xfrm>
+            <a:off x="983392" y="5602415"/>
+            <a:ext cx="652743" cy="369332"/>
+          </a:xfrm>
+          <a:prstGeom prst="rect">
+            <a:avLst/>
+          </a:prstGeom>
+          <a:noFill/>
+        </p:spPr>
+        <p:txBody>
+          <a:bodyPr wrap="none" rtlCol="0">
+            <a:spAutoFit/>
+          </a:bodyPr>
+          <a:lstStyle/>
+          <a:p>
+            <a:r>
+              <a:rPr lang="en-US" b="1" dirty="0" smtClean="0"/>
+              <a:t>2010</a:t>
+            </a:r>
+            <a:endParaRPr lang="en-US" b="1" dirty="0"/>
+          </a:p>
+        </p:txBody>
+      </p:sp>
+      <p:grpSp>
+        <p:nvGrpSpPr>
+          <p:cNvPr id="36" name="Group 35"/>
+          <p:cNvGrpSpPr/>
+          <p:nvPr/>
+        </p:nvGrpSpPr>
+        <p:grpSpPr>
+          <a:xfrm>
+            <a:off x="1447800" y="3200400"/>
+            <a:ext cx="445529" cy="1516258"/>
+            <a:chOff x="1447800" y="3200400"/>
+            <a:chExt cx="445529" cy="1516258"/>
+          </a:xfrm>
+        </p:grpSpPr>
+        <p:sp>
+          <p:nvSpPr>
+            <p:cNvPr id="37" name="Oval 36"/>
+            <p:cNvSpPr/>
+            <p:nvPr/>
+          </p:nvSpPr>
+          <p:spPr>
+            <a:xfrm>
+              <a:off x="1447800" y="4283441"/>
+              <a:ext cx="445529" cy="433217"/>
+            </a:xfrm>
+            <a:prstGeom prst="ellipse">
+              <a:avLst/>
+            </a:prstGeom>
+          </p:spPr>
+          <p:style>
+            <a:lnRef idx="2">
+              <a:schemeClr val="accent1">
+                <a:shade val="50000"/>
+              </a:schemeClr>
+            </a:lnRef>
+            <a:fillRef idx="1">
+              <a:schemeClr val="accent1"/>
+            </a:fillRef>
+            <a:effectRef idx="0">
+              <a:schemeClr val="accent1"/>
+            </a:effectRef>
+            <a:fontRef idx="minor">
+              <a:schemeClr val="lt1"/>
+            </a:fontRef>
+          </p:style>
+          <p:txBody>
+            <a:bodyPr rtlCol="0" anchor="ctr"/>
+            <a:lstStyle/>
+            <a:p>
+              <a:pPr algn="ctr"/>
+              <a:endParaRPr lang="en-US" sz="1000" dirty="0"/>
+            </a:p>
+          </p:txBody>
+        </p:sp>
+        <p:sp>
+          <p:nvSpPr>
+            <p:cNvPr id="38" name="Oval 37"/>
+            <p:cNvSpPr/>
+            <p:nvPr/>
+          </p:nvSpPr>
+          <p:spPr>
+            <a:xfrm>
+              <a:off x="1456330" y="3200400"/>
+              <a:ext cx="436999" cy="433217"/>
+            </a:xfrm>
+            <a:prstGeom prst="ellipse">
+              <a:avLst/>
+            </a:prstGeom>
+          </p:spPr>
+          <p:style>
+            <a:lnRef idx="2">
+              <a:schemeClr val="accent3">
+                <a:shade val="50000"/>
+              </a:schemeClr>
+            </a:lnRef>
+            <a:fillRef idx="1">
+              <a:schemeClr val="accent3"/>
+            </a:fillRef>
+            <a:effectRef idx="0">
+              <a:schemeClr val="accent3"/>
+            </a:effectRef>
+            <a:fontRef idx="minor">
+              <a:schemeClr val="lt1"/>
+            </a:fontRef>
+          </p:style>
+          <p:txBody>
+            <a:bodyPr rtlCol="0" anchor="ctr"/>
+            <a:lstStyle/>
+            <a:p>
+              <a:pPr algn="ctr"/>
+              <a:endParaRPr lang="en-US" sz="1200" dirty="0"/>
+            </a:p>
+          </p:txBody>
+        </p:sp>
+        <p:sp>
+          <p:nvSpPr>
+            <p:cNvPr id="39" name="Oval 38"/>
+            <p:cNvSpPr/>
+            <p:nvPr/>
+          </p:nvSpPr>
+          <p:spPr>
+            <a:xfrm>
+              <a:off x="1447800" y="3741921"/>
+              <a:ext cx="445529" cy="433217"/>
+            </a:xfrm>
+            <a:prstGeom prst="ellipse">
+              <a:avLst/>
+            </a:prstGeom>
+          </p:spPr>
+          <p:style>
+            <a:lnRef idx="2">
+              <a:schemeClr val="accent2">
+                <a:shade val="50000"/>
+              </a:schemeClr>
+            </a:lnRef>
+            <a:fillRef idx="1">
+              <a:schemeClr val="accent2"/>
+            </a:fillRef>
+            <a:effectRef idx="0">
+              <a:schemeClr val="accent2"/>
+            </a:effectRef>
+            <a:fontRef idx="minor">
+              <a:schemeClr val="lt1"/>
+            </a:fontRef>
+          </p:style>
+          <p:txBody>
+            <a:bodyPr rtlCol="0" anchor="ctr"/>
+            <a:lstStyle/>
+            <a:p>
+              <a:pPr algn="ctr"/>
+              <a:endParaRPr lang="en-US" sz="1200" dirty="0"/>
+            </a:p>
+          </p:txBody>
+        </p:sp>
+      </p:grpSp>
+      <p:sp>
+        <p:nvSpPr>
+          <p:cNvPr id="40" name="TextBox 39"/>
+          <p:cNvSpPr txBox="1"/>
+          <p:nvPr/>
+        </p:nvSpPr>
+        <p:spPr>
+          <a:xfrm>
+            <a:off x="6629400" y="5602415"/>
+            <a:ext cx="652743" cy="369332"/>
+          </a:xfrm>
+          <a:prstGeom prst="rect">
+            <a:avLst/>
+          </a:prstGeom>
+          <a:noFill/>
+        </p:spPr>
+        <p:txBody>
+          <a:bodyPr wrap="none" rtlCol="0">
+            <a:spAutoFit/>
+          </a:bodyPr>
+          <a:lstStyle/>
+          <a:p>
+            <a:r>
+              <a:rPr lang="en-US" b="1" dirty="0" smtClean="0"/>
+              <a:t>2011</a:t>
+            </a:r>
+            <a:endParaRPr lang="en-US" b="1" dirty="0"/>
+          </a:p>
+        </p:txBody>
+      </p:sp>
+      <p:graphicFrame>
+        <p:nvGraphicFramePr>
+          <p:cNvPr id="41" name="Table 40"/>
+          <p:cNvGraphicFramePr>
+            <a:graphicFrameLocks noGrp="1"/>
+          </p:cNvGraphicFramePr>
+          <p:nvPr>
+            <p:extLst>
+              <p:ext uri="{D42A27DB-BD31-4B8C-83A1-F6EECF244321}">
+                <p14:modId xmlns:p14="http://schemas.microsoft.com/office/powerpoint/2010/main" val="2536458190"/>
+              </p:ext>
+            </p:extLst>
+          </p:nvPr>
+        </p:nvGraphicFramePr>
+        <p:xfrm>
+          <a:off x="990600" y="5128466"/>
+          <a:ext cx="7086583" cy="274320"/>
+        </p:xfrm>
+        <a:graphic>
+          <a:graphicData uri="http://schemas.openxmlformats.org/drawingml/2006/table">
+            <a:tbl>
+              <a:tblPr firstRow="1" bandRow="1">
+                <a:tableStyleId>{2D5ABB26-0587-4C30-8999-92F81FD0307C}</a:tableStyleId>
+              </a:tblPr>
+              <a:tblGrid>
+                <a:gridCol w="469285"/>
+                <a:gridCol w="469285"/>
+                <a:gridCol w="469285"/>
+                <a:gridCol w="469285"/>
+                <a:gridCol w="469285"/>
+                <a:gridCol w="469285"/>
+                <a:gridCol w="469285"/>
+                <a:gridCol w="469285"/>
+                <a:gridCol w="469285"/>
+                <a:gridCol w="469285"/>
+                <a:gridCol w="469285"/>
+                <a:gridCol w="481112"/>
+                <a:gridCol w="481112"/>
+                <a:gridCol w="481112"/>
+                <a:gridCol w="481112"/>
+              </a:tblGrid>
+              <a:tr h="185420">
+                <a:tc>
+                  <a:txBody>
+                    <a:bodyPr/>
+                    <a:lstStyle/>
+                    <a:p>
+                      <a:r>
+                        <a:rPr lang="en-US" sz="1200" dirty="0" smtClean="0"/>
+                        <a:t>Jan</a:t>
+                      </a:r>
+                      <a:endParaRPr lang="en-US" sz="1200" dirty="0"/>
+                    </a:p>
+                  </a:txBody>
+                  <a:tcPr/>
+                </a:tc>
+                <a:tc>
+                  <a:txBody>
+                    <a:bodyPr/>
+                    <a:lstStyle/>
+                    <a:p>
+                      <a:r>
+                        <a:rPr lang="en-US" sz="1200" dirty="0" smtClean="0"/>
+                        <a:t>Feb</a:t>
+                      </a:r>
+                      <a:endParaRPr lang="en-US" sz="1200" dirty="0"/>
+                    </a:p>
+                  </a:txBody>
+                  <a:tcPr/>
+                </a:tc>
+                <a:tc>
+                  <a:txBody>
+                    <a:bodyPr/>
+                    <a:lstStyle/>
+                    <a:p>
+                      <a:r>
+                        <a:rPr lang="en-US" sz="1200" dirty="0" smtClean="0"/>
+                        <a:t>Mar</a:t>
+                      </a:r>
+                      <a:endParaRPr lang="en-US" sz="1200" dirty="0"/>
+                    </a:p>
+                  </a:txBody>
+                  <a:tcPr/>
+                </a:tc>
+                <a:tc>
+                  <a:txBody>
+                    <a:bodyPr/>
+                    <a:lstStyle/>
+                    <a:p>
+                      <a:r>
+                        <a:rPr lang="en-US" sz="1200" dirty="0" smtClean="0"/>
+                        <a:t>Apr</a:t>
+                      </a:r>
+                      <a:endParaRPr lang="en-US" sz="1200" dirty="0"/>
+                    </a:p>
+                  </a:txBody>
+                  <a:tcPr/>
+                </a:tc>
+                <a:tc>
+                  <a:txBody>
+                    <a:bodyPr/>
+                    <a:lstStyle/>
+                    <a:p>
+                      <a:r>
+                        <a:rPr lang="en-US" sz="1200" dirty="0" smtClean="0"/>
+                        <a:t>May</a:t>
+                      </a:r>
+                      <a:endParaRPr lang="en-US" sz="1200" dirty="0"/>
+                    </a:p>
+                  </a:txBody>
+                  <a:tcPr/>
+                </a:tc>
+                <a:tc>
+                  <a:txBody>
+                    <a:bodyPr/>
+                    <a:lstStyle/>
+                    <a:p>
+                      <a:r>
+                        <a:rPr lang="en-US" sz="1200" dirty="0" smtClean="0"/>
+                        <a:t>Jun</a:t>
+                      </a:r>
+                      <a:endParaRPr lang="en-US" sz="1200" dirty="0"/>
+                    </a:p>
+                  </a:txBody>
+                  <a:tcPr/>
+                </a:tc>
+                <a:tc>
+                  <a:txBody>
+                    <a:bodyPr/>
+                    <a:lstStyle/>
+                    <a:p>
+                      <a:r>
+                        <a:rPr lang="en-US" sz="1200" dirty="0" smtClean="0"/>
+                        <a:t>July</a:t>
+                      </a:r>
+                      <a:endParaRPr lang="en-US" sz="1200" dirty="0"/>
+                    </a:p>
+                  </a:txBody>
+                  <a:tcPr/>
+                </a:tc>
+                <a:tc>
+                  <a:txBody>
+                    <a:bodyPr/>
+                    <a:lstStyle/>
+                    <a:p>
+                      <a:r>
+                        <a:rPr lang="en-US" sz="1200" dirty="0" smtClean="0"/>
+                        <a:t>Aug</a:t>
+                      </a:r>
+                      <a:endParaRPr lang="en-US" sz="1200" dirty="0"/>
+                    </a:p>
+                  </a:txBody>
+                  <a:tcPr/>
+                </a:tc>
+                <a:tc>
+                  <a:txBody>
+                    <a:bodyPr/>
+                    <a:lstStyle/>
+                    <a:p>
+                      <a:r>
+                        <a:rPr lang="en-US" sz="1200" dirty="0" smtClean="0"/>
+                        <a:t>Sep</a:t>
+                      </a:r>
+                      <a:endParaRPr lang="en-US" sz="1200" dirty="0"/>
+                    </a:p>
+                  </a:txBody>
+                  <a:tcPr/>
+                </a:tc>
+                <a:tc>
+                  <a:txBody>
+                    <a:bodyPr/>
+                    <a:lstStyle/>
+                    <a:p>
+                      <a:r>
+                        <a:rPr lang="en-US" sz="1200" dirty="0" smtClean="0"/>
+                        <a:t>Oct</a:t>
+                      </a:r>
+                      <a:endParaRPr lang="en-US" sz="1200" dirty="0"/>
+                    </a:p>
+                  </a:txBody>
+                  <a:tcPr/>
+                </a:tc>
+                <a:tc>
+                  <a:txBody>
+                    <a:bodyPr/>
+                    <a:lstStyle/>
+                    <a:p>
+                      <a:r>
+                        <a:rPr lang="en-US" sz="1200" dirty="0" smtClean="0"/>
+                        <a:t>Nov</a:t>
+                      </a:r>
+                      <a:endParaRPr lang="en-US" sz="1200" dirty="0"/>
+                    </a:p>
+                  </a:txBody>
+                  <a:tcPr/>
+                </a:tc>
+                <a:tc>
+                  <a:txBody>
+                    <a:bodyPr/>
+                    <a:lstStyle/>
+                    <a:p>
+                      <a:r>
+                        <a:rPr lang="en-US" sz="1200" dirty="0" smtClean="0"/>
+                        <a:t>Dec</a:t>
+                      </a:r>
+                      <a:endParaRPr lang="en-US" sz="1200" dirty="0"/>
+                    </a:p>
+                  </a:txBody>
+                  <a:tcPr/>
+                </a:tc>
+                <a:tc>
+                  <a:txBody>
+                    <a:bodyPr/>
+                    <a:lstStyle/>
+                    <a:p>
+                      <a:r>
+                        <a:rPr lang="en-US" sz="1200" dirty="0" smtClean="0"/>
+                        <a:t>Jan</a:t>
+                      </a:r>
+                      <a:endParaRPr lang="en-US" sz="1200" dirty="0"/>
+                    </a:p>
+                  </a:txBody>
+                  <a:tcPr/>
+                </a:tc>
+                <a:tc>
+                  <a:txBody>
+                    <a:bodyPr/>
+                    <a:lstStyle/>
+                    <a:p>
+                      <a:r>
+                        <a:rPr lang="en-US" sz="1200" dirty="0" smtClean="0"/>
+                        <a:t>Feb</a:t>
+                      </a:r>
+                      <a:endParaRPr lang="en-US" sz="1200" dirty="0"/>
+                    </a:p>
+                  </a:txBody>
+                  <a:tcPr/>
+                </a:tc>
+                <a:tc>
+                  <a:txBody>
+                    <a:bodyPr/>
+                    <a:lstStyle/>
+                    <a:p>
+                      <a:r>
+                        <a:rPr lang="en-US" sz="1200" dirty="0" smtClean="0"/>
+                        <a:t>Mar</a:t>
+                      </a:r>
+                      <a:endParaRPr lang="en-US" sz="1200" dirty="0"/>
+                    </a:p>
+                  </a:txBody>
+                  <a:tcPr/>
+                </a:tc>
+              </a:tr>
+            </a:tbl>
+          </a:graphicData>
+        </a:graphic>
+      </p:graphicFrame>
+      <p:grpSp>
+        <p:nvGrpSpPr>
+          <p:cNvPr id="42" name="Group 41"/>
+          <p:cNvGrpSpPr/>
+          <p:nvPr/>
+        </p:nvGrpSpPr>
+        <p:grpSpPr>
+          <a:xfrm>
+            <a:off x="1992871" y="3208142"/>
+            <a:ext cx="445529" cy="1516258"/>
+            <a:chOff x="1992871" y="3208142"/>
+            <a:chExt cx="445529" cy="1516258"/>
+          </a:xfrm>
+        </p:grpSpPr>
+        <p:sp>
+          <p:nvSpPr>
+            <p:cNvPr id="43" name="Oval 42"/>
+            <p:cNvSpPr/>
+            <p:nvPr/>
+          </p:nvSpPr>
+          <p:spPr>
+            <a:xfrm>
+              <a:off x="1992871" y="4291183"/>
+              <a:ext cx="445529" cy="433217"/>
+            </a:xfrm>
+            <a:prstGeom prst="ellipse">
+              <a:avLst/>
+            </a:prstGeom>
+          </p:spPr>
+          <p:style>
+            <a:lnRef idx="2">
+              <a:schemeClr val="accent1">
+                <a:shade val="50000"/>
+              </a:schemeClr>
+            </a:lnRef>
+            <a:fillRef idx="1">
+              <a:schemeClr val="accent1"/>
+            </a:fillRef>
+            <a:effectRef idx="0">
+              <a:schemeClr val="accent1"/>
+            </a:effectRef>
+            <a:fontRef idx="minor">
+              <a:schemeClr val="lt1"/>
+            </a:fontRef>
+          </p:style>
+          <p:txBody>
+            <a:bodyPr rtlCol="0" anchor="ctr"/>
+            <a:lstStyle/>
+            <a:p>
+              <a:pPr algn="ctr"/>
+              <a:endParaRPr lang="en-US" sz="1000" dirty="0"/>
+            </a:p>
+          </p:txBody>
+        </p:sp>
+        <p:sp>
+          <p:nvSpPr>
+            <p:cNvPr id="44" name="Oval 43"/>
+            <p:cNvSpPr/>
+            <p:nvPr/>
+          </p:nvSpPr>
+          <p:spPr>
+            <a:xfrm>
+              <a:off x="2001401" y="3208142"/>
+              <a:ext cx="436999" cy="433217"/>
+            </a:xfrm>
+            <a:prstGeom prst="ellipse">
+              <a:avLst/>
+            </a:prstGeom>
+          </p:spPr>
+          <p:style>
+            <a:lnRef idx="2">
+              <a:schemeClr val="accent3">
+                <a:shade val="50000"/>
+              </a:schemeClr>
+            </a:lnRef>
+            <a:fillRef idx="1">
+              <a:schemeClr val="accent3"/>
+            </a:fillRef>
+            <a:effectRef idx="0">
+              <a:schemeClr val="accent3"/>
+            </a:effectRef>
+            <a:fontRef idx="minor">
+              <a:schemeClr val="lt1"/>
+            </a:fontRef>
+          </p:style>
+          <p:txBody>
+            <a:bodyPr rtlCol="0" anchor="ctr"/>
+            <a:lstStyle/>
+            <a:p>
+              <a:pPr algn="ctr"/>
+              <a:endParaRPr lang="en-US" sz="1200" dirty="0"/>
+            </a:p>
+          </p:txBody>
+        </p:sp>
+      </p:grpSp>
+      <p:grpSp>
+        <p:nvGrpSpPr>
+          <p:cNvPr id="45" name="Group 44"/>
+          <p:cNvGrpSpPr/>
+          <p:nvPr/>
+        </p:nvGrpSpPr>
+        <p:grpSpPr>
+          <a:xfrm>
+            <a:off x="3288271" y="3741920"/>
+            <a:ext cx="445529" cy="974737"/>
+            <a:chOff x="3288271" y="3741920"/>
+            <a:chExt cx="445529" cy="974737"/>
+          </a:xfrm>
+          <a:effectLst>
+            <a:glow rad="228600">
+              <a:schemeClr val="accent2">
+                <a:satMod val="175000"/>
+                <a:alpha val="40000"/>
+              </a:schemeClr>
+            </a:glow>
+          </a:effectLst>
+        </p:grpSpPr>
+        <p:sp>
+          <p:nvSpPr>
+            <p:cNvPr id="46" name="Oval 45"/>
+            <p:cNvSpPr/>
+            <p:nvPr/>
+          </p:nvSpPr>
+          <p:spPr>
+            <a:xfrm>
+              <a:off x="3288271" y="4283441"/>
+              <a:ext cx="445529" cy="433216"/>
+            </a:xfrm>
+            <a:prstGeom prst="ellipse">
+              <a:avLst/>
+            </a:prstGeom>
+          </p:spPr>
+          <p:style>
+            <a:lnRef idx="2">
+              <a:schemeClr val="accent1">
+                <a:shade val="50000"/>
+              </a:schemeClr>
+            </a:lnRef>
+            <a:fillRef idx="1">
+              <a:schemeClr val="accent1"/>
+            </a:fillRef>
+            <a:effectRef idx="0">
+              <a:schemeClr val="accent1"/>
+            </a:effectRef>
+            <a:fontRef idx="minor">
+              <a:schemeClr val="lt1"/>
+            </a:fontRef>
+          </p:style>
+          <p:txBody>
+            <a:bodyPr rtlCol="0" anchor="ctr"/>
+            <a:lstStyle/>
+            <a:p>
+              <a:pPr algn="ctr"/>
+              <a:endParaRPr lang="en-US" sz="1000" dirty="0"/>
+            </a:p>
+          </p:txBody>
+        </p:sp>
+        <p:sp>
+          <p:nvSpPr>
+            <p:cNvPr id="47" name="Oval 46"/>
+            <p:cNvSpPr/>
+            <p:nvPr/>
+          </p:nvSpPr>
+          <p:spPr>
+            <a:xfrm>
+              <a:off x="3288271" y="3741920"/>
+              <a:ext cx="445529" cy="433216"/>
+            </a:xfrm>
+            <a:prstGeom prst="ellipse">
+              <a:avLst/>
+            </a:prstGeom>
+          </p:spPr>
+          <p:style>
+            <a:lnRef idx="2">
+              <a:schemeClr val="accent2">
+                <a:shade val="50000"/>
+              </a:schemeClr>
+            </a:lnRef>
+            <a:fillRef idx="1">
+              <a:schemeClr val="accent2"/>
+            </a:fillRef>
+            <a:effectRef idx="0">
+              <a:schemeClr val="accent2"/>
+            </a:effectRef>
+            <a:fontRef idx="minor">
+              <a:schemeClr val="lt1"/>
+            </a:fontRef>
+          </p:style>
+          <p:txBody>
+            <a:bodyPr rtlCol="0" anchor="ctr"/>
+            <a:lstStyle/>
+            <a:p>
+              <a:pPr algn="ctr"/>
+              <a:endParaRPr lang="en-US" sz="1200" dirty="0"/>
+            </a:p>
+          </p:txBody>
+        </p:sp>
+      </p:grpSp>
+      <p:grpSp>
+        <p:nvGrpSpPr>
+          <p:cNvPr id="48" name="Group 47"/>
+          <p:cNvGrpSpPr/>
+          <p:nvPr/>
+        </p:nvGrpSpPr>
+        <p:grpSpPr>
+          <a:xfrm>
+            <a:off x="5193271" y="3238537"/>
+            <a:ext cx="445529" cy="974737"/>
+            <a:chOff x="5193271" y="3238537"/>
+            <a:chExt cx="445529" cy="974737"/>
+          </a:xfrm>
+        </p:grpSpPr>
+        <p:sp>
+          <p:nvSpPr>
+            <p:cNvPr id="49" name="Oval 48"/>
+            <p:cNvSpPr/>
+            <p:nvPr/>
+          </p:nvSpPr>
+          <p:spPr>
+            <a:xfrm>
+              <a:off x="5201801" y="3238537"/>
+              <a:ext cx="436999" cy="433216"/>
+            </a:xfrm>
+            <a:prstGeom prst="ellipse">
+              <a:avLst/>
+            </a:prstGeom>
+          </p:spPr>
+          <p:style>
+            <a:lnRef idx="2">
+              <a:schemeClr val="accent3">
+                <a:shade val="50000"/>
+              </a:schemeClr>
+            </a:lnRef>
+            <a:fillRef idx="1">
+              <a:schemeClr val="accent3"/>
+            </a:fillRef>
+            <a:effectRef idx="0">
+              <a:schemeClr val="accent3"/>
+            </a:effectRef>
+            <a:fontRef idx="minor">
+              <a:schemeClr val="lt1"/>
+            </a:fontRef>
+          </p:style>
+          <p:txBody>
+            <a:bodyPr rtlCol="0" anchor="ctr"/>
+            <a:lstStyle/>
+            <a:p>
+              <a:pPr algn="ctr"/>
+              <a:endParaRPr lang="en-US" sz="1200" dirty="0"/>
+            </a:p>
+          </p:txBody>
+        </p:sp>
+        <p:sp>
+          <p:nvSpPr>
+            <p:cNvPr id="50" name="Oval 49"/>
+            <p:cNvSpPr/>
+            <p:nvPr/>
+          </p:nvSpPr>
+          <p:spPr>
+            <a:xfrm>
+              <a:off x="5193271" y="3780058"/>
+              <a:ext cx="445529" cy="433216"/>
+            </a:xfrm>
+            <a:prstGeom prst="ellipse">
+              <a:avLst/>
+            </a:prstGeom>
+          </p:spPr>
+          <p:style>
+            <a:lnRef idx="2">
+              <a:schemeClr val="accent2">
+                <a:shade val="50000"/>
+              </a:schemeClr>
+            </a:lnRef>
+            <a:fillRef idx="1">
+              <a:schemeClr val="accent2"/>
+            </a:fillRef>
+            <a:effectRef idx="0">
+              <a:schemeClr val="accent2"/>
+            </a:effectRef>
+            <a:fontRef idx="minor">
+              <a:schemeClr val="lt1"/>
+            </a:fontRef>
+          </p:style>
+          <p:txBody>
+            <a:bodyPr rtlCol="0" anchor="ctr"/>
+            <a:lstStyle/>
+            <a:p>
+              <a:pPr algn="ctr"/>
+              <a:endParaRPr lang="en-US" sz="1200" dirty="0"/>
+            </a:p>
+          </p:txBody>
+        </p:sp>
+      </p:grpSp>
+      <p:grpSp>
+        <p:nvGrpSpPr>
+          <p:cNvPr id="51" name="Group 50"/>
+          <p:cNvGrpSpPr/>
+          <p:nvPr/>
+        </p:nvGrpSpPr>
+        <p:grpSpPr>
+          <a:xfrm>
+            <a:off x="6629400" y="3235294"/>
+            <a:ext cx="445529" cy="1516258"/>
+            <a:chOff x="6629400" y="3235294"/>
+            <a:chExt cx="445529" cy="1516258"/>
+          </a:xfrm>
+        </p:grpSpPr>
+        <p:sp>
+          <p:nvSpPr>
+            <p:cNvPr id="52" name="Oval 51"/>
+            <p:cNvSpPr/>
+            <p:nvPr/>
+          </p:nvSpPr>
+          <p:spPr>
+            <a:xfrm>
+              <a:off x="6629400" y="4318335"/>
+              <a:ext cx="445529" cy="433217"/>
+            </a:xfrm>
+            <a:prstGeom prst="ellipse">
+              <a:avLst/>
+            </a:prstGeom>
+          </p:spPr>
+          <p:style>
+            <a:lnRef idx="2">
+              <a:schemeClr val="accent1">
+                <a:shade val="50000"/>
+              </a:schemeClr>
+            </a:lnRef>
+            <a:fillRef idx="1">
+              <a:schemeClr val="accent1"/>
+            </a:fillRef>
+            <a:effectRef idx="0">
+              <a:schemeClr val="accent1"/>
+            </a:effectRef>
+            <a:fontRef idx="minor">
+              <a:schemeClr val="lt1"/>
+            </a:fontRef>
+          </p:style>
+          <p:txBody>
+            <a:bodyPr rtlCol="0" anchor="ctr"/>
+            <a:lstStyle/>
+            <a:p>
+              <a:pPr algn="ctr"/>
+              <a:endParaRPr lang="en-US" sz="1000" dirty="0"/>
+            </a:p>
+          </p:txBody>
+        </p:sp>
+        <p:sp>
+          <p:nvSpPr>
+            <p:cNvPr id="53" name="Oval 52"/>
+            <p:cNvSpPr/>
+            <p:nvPr/>
+          </p:nvSpPr>
+          <p:spPr>
+            <a:xfrm>
+              <a:off x="6637930" y="3235294"/>
+              <a:ext cx="436999" cy="433217"/>
+            </a:xfrm>
+            <a:prstGeom prst="ellipse">
+              <a:avLst/>
+            </a:prstGeom>
+          </p:spPr>
+          <p:style>
+            <a:lnRef idx="2">
+              <a:schemeClr val="accent3">
+                <a:shade val="50000"/>
+              </a:schemeClr>
+            </a:lnRef>
+            <a:fillRef idx="1">
+              <a:schemeClr val="accent3"/>
+            </a:fillRef>
+            <a:effectRef idx="0">
+              <a:schemeClr val="accent3"/>
+            </a:effectRef>
+            <a:fontRef idx="minor">
+              <a:schemeClr val="lt1"/>
+            </a:fontRef>
+          </p:style>
+          <p:txBody>
+            <a:bodyPr rtlCol="0" anchor="ctr"/>
+            <a:lstStyle/>
+            <a:p>
+              <a:pPr algn="ctr"/>
+              <a:endParaRPr lang="en-US" sz="1200" dirty="0"/>
+            </a:p>
+          </p:txBody>
+        </p:sp>
+      </p:grpSp>
+      <p:graphicFrame>
+        <p:nvGraphicFramePr>
+          <p:cNvPr id="54" name="Table 53"/>
+          <p:cNvGraphicFramePr>
+            <a:graphicFrameLocks noGrp="1"/>
+          </p:cNvGraphicFramePr>
+          <p:nvPr>
+            <p:extLst>
+              <p:ext uri="{D42A27DB-BD31-4B8C-83A1-F6EECF244321}">
+                <p14:modId xmlns:p14="http://schemas.microsoft.com/office/powerpoint/2010/main" val="2287764216"/>
+              </p:ext>
+            </p:extLst>
+          </p:nvPr>
+        </p:nvGraphicFramePr>
+        <p:xfrm>
+          <a:off x="1167565" y="1352007"/>
+          <a:ext cx="2794835" cy="1641263"/>
+        </p:xfrm>
+        <a:graphic>
+          <a:graphicData uri="http://schemas.openxmlformats.org/drawingml/2006/table">
+            <a:tbl>
+              <a:tblPr firstRow="1" bandRow="1">
+                <a:tableStyleId>{2D5ABB26-0587-4C30-8999-92F81FD0307C}</a:tableStyleId>
+              </a:tblPr>
+              <a:tblGrid>
+                <a:gridCol w="2794835"/>
+              </a:tblGrid>
+              <a:tr h="542065">
+                <a:tc>
+                  <a:txBody>
+                    <a:bodyPr/>
+                    <a:lstStyle/>
+                    <a:p>
+                      <a:r>
+                        <a:rPr lang="en-US" sz="1400" dirty="0" smtClean="0"/>
+                        <a:t>.exe [</a:t>
+                      </a:r>
+                      <a:r>
+                        <a:rPr lang="en-US" sz="1400" dirty="0" err="1" smtClean="0"/>
+                        <a:t>executables</a:t>
+                      </a:r>
+                      <a:r>
+                        <a:rPr lang="en-US" sz="1400" dirty="0" smtClean="0"/>
+                        <a:t> and </a:t>
+                      </a:r>
+                      <a:r>
+                        <a:rPr lang="en-US" sz="1400" dirty="0" err="1" smtClean="0"/>
+                        <a:t>misc</a:t>
+                      </a:r>
+                      <a:r>
+                        <a:rPr lang="en-US" sz="1400" dirty="0" smtClean="0"/>
+                        <a:t>]</a:t>
+                      </a:r>
+                      <a:endParaRPr lang="en-US" sz="1400" dirty="0"/>
+                    </a:p>
+                  </a:txBody>
+                  <a:tcPr/>
+                </a:tc>
+              </a:tr>
+              <a:tr h="544328">
+                <a:tc>
+                  <a:txBody>
+                    <a:bodyPr/>
+                    <a:lstStyle/>
+                    <a:p>
+                      <a:r>
+                        <a:rPr lang="en-US" sz="1400" dirty="0" smtClean="0"/>
+                        <a:t>.doc, .txt,</a:t>
+                      </a:r>
+                      <a:r>
+                        <a:rPr lang="en-US" sz="1400" baseline="0" dirty="0" smtClean="0"/>
+                        <a:t> .</a:t>
+                      </a:r>
+                      <a:r>
+                        <a:rPr lang="en-US" sz="1400" baseline="0" dirty="0" err="1" smtClean="0"/>
+                        <a:t>ppt</a:t>
+                      </a:r>
+                      <a:r>
+                        <a:rPr lang="en-US" sz="1400" baseline="0" dirty="0" smtClean="0"/>
+                        <a:t>… [documents]</a:t>
+                      </a:r>
+                      <a:endParaRPr lang="en-US" sz="1400" dirty="0"/>
+                    </a:p>
+                  </a:txBody>
+                  <a:tcPr/>
+                </a:tc>
+              </a:tr>
+              <a:tr h="554870">
+                <a:tc>
+                  <a:txBody>
+                    <a:bodyPr/>
+                    <a:lstStyle/>
+                    <a:p>
+                      <a:r>
+                        <a:rPr lang="en-US" sz="1400" dirty="0" smtClean="0"/>
+                        <a:t>.</a:t>
+                      </a:r>
+                      <a:r>
+                        <a:rPr lang="en-US" sz="1400" dirty="0" err="1" smtClean="0"/>
+                        <a:t>img</a:t>
+                      </a:r>
+                      <a:r>
+                        <a:rPr lang="en-US" sz="1400" dirty="0" smtClean="0"/>
+                        <a:t>,</a:t>
+                      </a:r>
+                      <a:r>
+                        <a:rPr lang="en-US" sz="1400" baseline="0" dirty="0" smtClean="0"/>
+                        <a:t> .mp4…. [images, audio, video]</a:t>
+                      </a:r>
+                      <a:endParaRPr lang="en-US" sz="1400" dirty="0"/>
+                    </a:p>
+                  </a:txBody>
+                  <a:tcPr/>
+                </a:tc>
+              </a:tr>
+            </a:tbl>
+          </a:graphicData>
+        </a:graphic>
+      </p:graphicFrame>
+      <p:sp>
+        <p:nvSpPr>
+          <p:cNvPr id="55" name="Title 88"/>
+          <p:cNvSpPr>
+            <a:spLocks noGrp="1"/>
+          </p:cNvSpPr>
+          <p:nvPr>
+            <p:ph type="title"/>
+          </p:nvPr>
+        </p:nvSpPr>
+        <p:spPr>
+          <a:xfrm>
+            <a:off x="457200" y="0"/>
+            <a:ext cx="8229600" cy="1143000"/>
+          </a:xfrm>
+        </p:spPr>
+        <p:txBody>
+          <a:bodyPr>
+            <a:normAutofit/>
+          </a:bodyPr>
+          <a:lstStyle/>
+          <a:p>
+            <a:r>
+              <a:rPr lang="en-US" dirty="0" smtClean="0"/>
+              <a:t>Double click to view selected files</a:t>
+            </a:r>
+            <a:endParaRPr lang="en-US" dirty="0"/>
+          </a:p>
+        </p:txBody>
+      </p:sp>
+      <p:grpSp>
+        <p:nvGrpSpPr>
+          <p:cNvPr id="56" name="Group 55"/>
+          <p:cNvGrpSpPr/>
+          <p:nvPr/>
+        </p:nvGrpSpPr>
+        <p:grpSpPr>
+          <a:xfrm>
+            <a:off x="537863" y="1295400"/>
+            <a:ext cx="445529" cy="1516258"/>
+            <a:chOff x="537863" y="1295400"/>
+            <a:chExt cx="445529" cy="1516258"/>
+          </a:xfrm>
+        </p:grpSpPr>
+        <p:sp>
+          <p:nvSpPr>
+            <p:cNvPr id="57" name="Oval 56"/>
+            <p:cNvSpPr/>
+            <p:nvPr/>
+          </p:nvSpPr>
+          <p:spPr>
+            <a:xfrm>
+              <a:off x="537863" y="2378441"/>
+              <a:ext cx="445529" cy="433217"/>
+            </a:xfrm>
+            <a:prstGeom prst="ellipse">
+              <a:avLst/>
+            </a:prstGeom>
+          </p:spPr>
+          <p:style>
+            <a:lnRef idx="2">
+              <a:schemeClr val="accent1">
+                <a:shade val="50000"/>
+              </a:schemeClr>
+            </a:lnRef>
+            <a:fillRef idx="1">
+              <a:schemeClr val="accent1"/>
+            </a:fillRef>
+            <a:effectRef idx="0">
+              <a:schemeClr val="accent1"/>
+            </a:effectRef>
+            <a:fontRef idx="minor">
+              <a:schemeClr val="lt1"/>
+            </a:fontRef>
+          </p:style>
+          <p:txBody>
+            <a:bodyPr rtlCol="0" anchor="ctr"/>
+            <a:lstStyle/>
+            <a:p>
+              <a:pPr algn="ctr"/>
+              <a:endParaRPr lang="en-US" sz="1000" dirty="0"/>
+            </a:p>
+          </p:txBody>
+        </p:sp>
+        <p:sp>
+          <p:nvSpPr>
+            <p:cNvPr id="58" name="Oval 57"/>
+            <p:cNvSpPr/>
+            <p:nvPr/>
+          </p:nvSpPr>
+          <p:spPr>
+            <a:xfrm>
+              <a:off x="546393" y="1295400"/>
+              <a:ext cx="436999" cy="433217"/>
+            </a:xfrm>
+            <a:prstGeom prst="ellipse">
+              <a:avLst/>
+            </a:prstGeom>
+          </p:spPr>
+          <p:style>
+            <a:lnRef idx="2">
+              <a:schemeClr val="accent3">
+                <a:shade val="50000"/>
+              </a:schemeClr>
+            </a:lnRef>
+            <a:fillRef idx="1">
+              <a:schemeClr val="accent3"/>
+            </a:fillRef>
+            <a:effectRef idx="0">
+              <a:schemeClr val="accent3"/>
+            </a:effectRef>
+            <a:fontRef idx="minor">
+              <a:schemeClr val="lt1"/>
+            </a:fontRef>
+          </p:style>
+          <p:txBody>
+            <a:bodyPr rtlCol="0" anchor="ctr"/>
+            <a:lstStyle/>
+            <a:p>
+              <a:pPr algn="ctr"/>
+              <a:endParaRPr lang="en-US" sz="1200" dirty="0"/>
+            </a:p>
+          </p:txBody>
+        </p:sp>
+        <p:sp>
+          <p:nvSpPr>
+            <p:cNvPr id="59" name="Oval 58"/>
+            <p:cNvSpPr/>
+            <p:nvPr/>
+          </p:nvSpPr>
+          <p:spPr>
+            <a:xfrm>
+              <a:off x="537863" y="1836921"/>
+              <a:ext cx="445529" cy="433217"/>
+            </a:xfrm>
+            <a:prstGeom prst="ellipse">
+              <a:avLst/>
+            </a:prstGeom>
+          </p:spPr>
+          <p:style>
+            <a:lnRef idx="2">
+              <a:schemeClr val="accent2">
+                <a:shade val="50000"/>
+              </a:schemeClr>
+            </a:lnRef>
+            <a:fillRef idx="1">
+              <a:schemeClr val="accent2"/>
+            </a:fillRef>
+            <a:effectRef idx="0">
+              <a:schemeClr val="accent2"/>
+            </a:effectRef>
+            <a:fontRef idx="minor">
+              <a:schemeClr val="lt1"/>
+            </a:fontRef>
+          </p:style>
+          <p:txBody>
+            <a:bodyPr rtlCol="0" anchor="ctr"/>
+            <a:lstStyle/>
+            <a:p>
+              <a:pPr algn="ctr"/>
+              <a:endParaRPr lang="en-US" sz="1200" dirty="0"/>
+            </a:p>
+          </p:txBody>
+        </p:sp>
+      </p:grpSp>
+      <p:sp>
+        <p:nvSpPr>
+          <p:cNvPr id="60" name="TextBox 59"/>
+          <p:cNvSpPr txBox="1"/>
+          <p:nvPr/>
+        </p:nvSpPr>
+        <p:spPr>
+          <a:xfrm>
+            <a:off x="2730812" y="6238009"/>
+            <a:ext cx="4125617" cy="369332"/>
+          </a:xfrm>
+          <a:prstGeom prst="rect">
+            <a:avLst/>
+          </a:prstGeom>
+          <a:solidFill>
+            <a:schemeClr val="bg1">
+              <a:lumMod val="85000"/>
+            </a:schemeClr>
+          </a:solidFill>
+          <a:ln cap="rnd"/>
+          <a:scene3d>
+            <a:camera prst="orthographicFront"/>
+            <a:lightRig rig="threePt" dir="t"/>
+          </a:scene3d>
+          <a:sp3d>
+            <a:bevelT prst="angle"/>
+          </a:sp3d>
+        </p:spPr>
+        <p:style>
+          <a:lnRef idx="2">
+            <a:schemeClr val="accent1"/>
+          </a:lnRef>
+          <a:fillRef idx="1">
+            <a:schemeClr val="lt1"/>
+          </a:fillRef>
+          <a:effectRef idx="0">
+            <a:schemeClr val="accent1"/>
+          </a:effectRef>
+          <a:fontRef idx="minor">
+            <a:schemeClr val="dk1"/>
+          </a:fontRef>
+        </p:style>
+        <p:txBody>
+          <a:bodyPr wrap="none" rtlCol="0">
+            <a:spAutoFit/>
+          </a:bodyPr>
+          <a:lstStyle/>
+          <a:p>
+            <a:pPr algn="ctr"/>
+            <a:r>
+              <a:rPr lang="en-US" dirty="0" smtClean="0"/>
+              <a:t>Date (last updated)/</a:t>
+            </a:r>
+            <a:r>
+              <a:rPr lang="en-US" dirty="0"/>
+              <a:t>Creation </a:t>
+            </a:r>
+            <a:r>
+              <a:rPr lang="en-US" dirty="0" smtClean="0"/>
+              <a:t>date (toggle)</a:t>
+            </a:r>
+            <a:endParaRPr lang="en-US" dirty="0"/>
+          </a:p>
+        </p:txBody>
+      </p:sp>
+      <p:sp>
+        <p:nvSpPr>
+          <p:cNvPr id="61" name="Rectangle 60"/>
+          <p:cNvSpPr/>
+          <p:nvPr/>
+        </p:nvSpPr>
+        <p:spPr>
+          <a:xfrm>
+            <a:off x="6553200" y="1219200"/>
+            <a:ext cx="1485900" cy="292808"/>
+          </a:xfrm>
+          <a:prstGeom prst="rect">
+            <a:avLst/>
+          </a:prstGeom>
+          <a:effectLst>
+            <a:outerShdw blurRad="50800" dist="38100" dir="2700000" algn="tl" rotWithShape="0">
+              <a:prstClr val="black">
+                <a:alpha val="40000"/>
+              </a:prstClr>
+            </a:outerShdw>
+          </a:effectLst>
+          <a:scene3d>
+            <a:camera prst="orthographicFront"/>
+            <a:lightRig rig="threePt" dir="t"/>
+          </a:scene3d>
+          <a:sp3d>
+            <a:bevelT prst="relaxedInset"/>
+          </a:sp3d>
+        </p:spPr>
+        <p:style>
+          <a:lnRef idx="2">
+            <a:schemeClr val="accent1"/>
+          </a:lnRef>
+          <a:fillRef idx="1">
+            <a:schemeClr val="lt1"/>
+          </a:fillRef>
+          <a:effectRef idx="0">
+            <a:schemeClr val="accent1"/>
+          </a:effectRef>
+          <a:fontRef idx="minor">
+            <a:schemeClr val="dk1"/>
+          </a:fontRef>
+        </p:style>
+        <p:txBody>
+          <a:bodyPr rtlCol="0" anchor="ctr"/>
+          <a:lstStyle/>
+          <a:p>
+            <a:pPr algn="ctr"/>
+            <a:endParaRPr lang="en-US"/>
+          </a:p>
+        </p:txBody>
+      </p:sp>
+      <p:pic>
+        <p:nvPicPr>
+          <p:cNvPr id="62" name="Picture 2" descr="C:\Users\Dzhu\AppData\Local\Microsoft\Windows\Temporary Internet Files\Content.IE5\PGOJC390\MC900431608[1].png"/>
+          <p:cNvPicPr>
+            <a:picLocks noChangeAspect="1" noChangeArrowheads="1"/>
+          </p:cNvPicPr>
+          <p:nvPr/>
+        </p:nvPicPr>
+        <p:blipFill>
+          <a:blip r:embed="rId2">
+            <a:extLst>
+              <a:ext uri="{28A0092B-C50C-407E-A947-70E740481C1C}">
+                <a14:useLocalDpi xmlns:a14="http://schemas.microsoft.com/office/drawing/2010/main" val="0"/>
+              </a:ext>
+            </a:extLst>
+          </a:blip>
+          <a:srcRect/>
+          <a:stretch>
+            <a:fillRect/>
+          </a:stretch>
+        </p:blipFill>
+        <p:spPr bwMode="auto">
+          <a:xfrm>
+            <a:off x="8077200" y="1063044"/>
+            <a:ext cx="665573" cy="665573"/>
+          </a:xfrm>
+          <a:prstGeom prst="rect">
+            <a:avLst/>
+          </a:prstGeom>
+          <a:noFill/>
+          <a:extLst>
+            <a:ext uri="{909E8E84-426E-40DD-AFC4-6F175D3DCCD1}">
+              <a14:hiddenFill xmlns:a14="http://schemas.microsoft.com/office/drawing/2010/main">
+                <a:solidFill>
+                  <a:srgbClr val="FFFFFF"/>
+                </a:solidFill>
+              </a14:hiddenFill>
+            </a:ext>
+          </a:extLst>
+        </p:spPr>
+      </p:pic>
+    </p:spTree>
+    <p:extLst>
+      <p:ext uri="{BB962C8B-B14F-4D97-AF65-F5344CB8AC3E}">
+        <p14:creationId xmlns:p14="http://schemas.microsoft.com/office/powerpoint/2010/main" val="2695731424"/>
+      </p:ext>
+    </p:extLst>
+  </p:cSld>
+  <p:clrMapOvr>
+    <a:masterClrMapping/>
+  </p:clrMapOvr>
+</p:sld>
+</file>
+
+<file path=ppt/slides/slide8.xml><?xml version="1.0" encoding="utf-8"?>
+<p:sld xmlns:a="http://schemas.openxmlformats.org/drawingml/2006/main" xmlns:r="http://schemas.openxmlformats.org/officeDocument/2006/relationships" xmlns:p="http://schemas.openxmlformats.org/presentationml/2006/main">
+  <p:cSld>
+    <p:spTree>
+      <p:nvGrpSpPr>
+        <p:cNvPr id="1" name=""/>
+        <p:cNvGrpSpPr/>
+        <p:nvPr/>
+      </p:nvGrpSpPr>
+      <p:grpSpPr>
+        <a:xfrm>
+          <a:off x="0" y="0"/>
+          <a:ext cx="0" cy="0"/>
+          <a:chOff x="0" y="0"/>
+          <a:chExt cx="0" cy="0"/>
+        </a:xfrm>
+      </p:grpSpPr>
+      <p:sp>
+        <p:nvSpPr>
+          <p:cNvPr id="2" name="Title 1"/>
+          <p:cNvSpPr>
+            <a:spLocks noGrp="1"/>
+          </p:cNvSpPr>
+          <p:nvPr>
+            <p:ph type="title"/>
+          </p:nvPr>
+        </p:nvSpPr>
+        <p:spPr/>
+        <p:txBody>
+          <a:bodyPr/>
+          <a:lstStyle/>
+          <a:p>
+            <a:r>
+              <a:rPr lang="en-US" dirty="0" smtClean="0"/>
+              <a:t>File explorer</a:t>
+            </a:r>
+            <a:endParaRPr lang="en-US" dirty="0"/>
+          </a:p>
+        </p:txBody>
+      </p:sp>
+      <p:sp>
+        <p:nvSpPr>
+          <p:cNvPr id="3" name="Rounded Rectangle 2"/>
+          <p:cNvSpPr/>
+          <p:nvPr/>
+        </p:nvSpPr>
+        <p:spPr>
+          <a:xfrm>
+            <a:off x="6096000" y="1143000"/>
+            <a:ext cx="2819400" cy="5105400"/>
+          </a:xfrm>
+          <a:prstGeom prst="roundRect">
+            <a:avLst/>
+          </a:prstGeom>
+        </p:spPr>
+        <p:style>
+          <a:lnRef idx="2">
+            <a:schemeClr val="accent1"/>
+          </a:lnRef>
+          <a:fillRef idx="1">
+            <a:schemeClr val="lt1"/>
+          </a:fillRef>
+          <a:effectRef idx="0">
+            <a:schemeClr val="accent1"/>
+          </a:effectRef>
+          <a:fontRef idx="minor">
+            <a:schemeClr val="dk1"/>
+          </a:fontRef>
+        </p:style>
+        <p:txBody>
+          <a:bodyPr rtlCol="0" anchor="ctr"/>
+          <a:lstStyle/>
+          <a:p>
+            <a:pPr algn="ctr"/>
+            <a:r>
+              <a:rPr lang="en-US" dirty="0" smtClean="0"/>
+              <a:t>More detailed file attributes to filter or sort by</a:t>
+            </a:r>
+            <a:endParaRPr lang="en-US" dirty="0"/>
+          </a:p>
+        </p:txBody>
+      </p:sp>
+      <p:sp>
+        <p:nvSpPr>
+          <p:cNvPr id="5" name="Rounded Rectangle 4"/>
+          <p:cNvSpPr/>
+          <p:nvPr/>
+        </p:nvSpPr>
+        <p:spPr>
+          <a:xfrm>
+            <a:off x="523009" y="1447800"/>
+            <a:ext cx="1143000" cy="914400"/>
+          </a:xfrm>
+          <a:prstGeom prst="roundRect">
+            <a:avLst/>
+          </a:prstGeom>
+        </p:spPr>
+        <p:style>
+          <a:lnRef idx="2">
+            <a:schemeClr val="accent1">
+              <a:shade val="50000"/>
+            </a:schemeClr>
+          </a:lnRef>
+          <a:fillRef idx="1">
+            <a:schemeClr val="accent1"/>
+          </a:fillRef>
+          <a:effectRef idx="0">
+            <a:schemeClr val="accent1"/>
+          </a:effectRef>
+          <a:fontRef idx="minor">
+            <a:schemeClr val="lt1"/>
+          </a:fontRef>
+        </p:style>
+        <p:txBody>
+          <a:bodyPr rtlCol="0" anchor="ctr"/>
+          <a:lstStyle/>
+          <a:p>
+            <a:pPr algn="ctr"/>
+            <a:r>
+              <a:rPr lang="en-US" dirty="0" smtClean="0"/>
+              <a:t>.JPG</a:t>
+            </a:r>
+            <a:endParaRPr lang="en-US" dirty="0"/>
+          </a:p>
+        </p:txBody>
+      </p:sp>
+      <p:sp>
+        <p:nvSpPr>
+          <p:cNvPr id="6" name="Rounded Rectangle 5"/>
+          <p:cNvSpPr/>
+          <p:nvPr/>
+        </p:nvSpPr>
+        <p:spPr>
+          <a:xfrm>
+            <a:off x="1905000" y="1447800"/>
+            <a:ext cx="1143000" cy="914400"/>
+          </a:xfrm>
+          <a:prstGeom prst="roundRect">
+            <a:avLst/>
+          </a:prstGeom>
+        </p:spPr>
+        <p:style>
+          <a:lnRef idx="2">
+            <a:schemeClr val="accent1">
+              <a:shade val="50000"/>
+            </a:schemeClr>
+          </a:lnRef>
+          <a:fillRef idx="1">
+            <a:schemeClr val="accent1"/>
+          </a:fillRef>
+          <a:effectRef idx="0">
+            <a:schemeClr val="accent1"/>
+          </a:effectRef>
+          <a:fontRef idx="minor">
+            <a:schemeClr val="lt1"/>
+          </a:fontRef>
+        </p:style>
+        <p:txBody>
+          <a:bodyPr rtlCol="0" anchor="ctr"/>
+          <a:lstStyle/>
+          <a:p>
+            <a:pPr algn="ctr"/>
+            <a:r>
+              <a:rPr lang="en-US" dirty="0" smtClean="0"/>
+              <a:t>.PNG</a:t>
+            </a:r>
+            <a:endParaRPr lang="en-US" dirty="0"/>
+          </a:p>
+        </p:txBody>
+      </p:sp>
+      <p:sp>
+        <p:nvSpPr>
+          <p:cNvPr id="7" name="Rounded Rectangle 6"/>
+          <p:cNvSpPr/>
+          <p:nvPr/>
+        </p:nvSpPr>
+        <p:spPr>
+          <a:xfrm>
+            <a:off x="3276600" y="1447800"/>
+            <a:ext cx="1143000" cy="914400"/>
+          </a:xfrm>
+          <a:prstGeom prst="roundRect">
+            <a:avLst/>
+          </a:prstGeom>
+        </p:spPr>
+        <p:style>
+          <a:lnRef idx="2">
+            <a:schemeClr val="accent1">
+              <a:shade val="50000"/>
+            </a:schemeClr>
+          </a:lnRef>
+          <a:fillRef idx="1">
+            <a:schemeClr val="accent1"/>
+          </a:fillRef>
+          <a:effectRef idx="0">
+            <a:schemeClr val="accent1"/>
+          </a:effectRef>
+          <a:fontRef idx="minor">
+            <a:schemeClr val="lt1"/>
+          </a:fontRef>
+        </p:style>
+        <p:txBody>
+          <a:bodyPr rtlCol="0" anchor="ctr"/>
+          <a:lstStyle/>
+          <a:p>
+            <a:pPr algn="ctr"/>
+            <a:r>
+              <a:rPr lang="en-US" dirty="0" smtClean="0"/>
+              <a:t>.GIF</a:t>
+            </a:r>
+            <a:endParaRPr lang="en-US" dirty="0"/>
+          </a:p>
+        </p:txBody>
+      </p:sp>
+      <p:sp>
+        <p:nvSpPr>
+          <p:cNvPr id="8" name="Rounded Rectangle 7"/>
+          <p:cNvSpPr/>
+          <p:nvPr/>
+        </p:nvSpPr>
+        <p:spPr>
+          <a:xfrm>
+            <a:off x="533400" y="2590800"/>
+            <a:ext cx="1143000" cy="914400"/>
+          </a:xfrm>
+          <a:prstGeom prst="roundRect">
+            <a:avLst/>
+          </a:prstGeom>
+        </p:spPr>
+        <p:style>
+          <a:lnRef idx="2">
+            <a:schemeClr val="accent2">
+              <a:shade val="50000"/>
+            </a:schemeClr>
+          </a:lnRef>
+          <a:fillRef idx="1">
+            <a:schemeClr val="accent2"/>
+          </a:fillRef>
+          <a:effectRef idx="0">
+            <a:schemeClr val="accent2"/>
+          </a:effectRef>
+          <a:fontRef idx="minor">
+            <a:schemeClr val="lt1"/>
+          </a:fontRef>
+        </p:style>
+        <p:txBody>
+          <a:bodyPr rtlCol="0" anchor="ctr"/>
+          <a:lstStyle/>
+          <a:p>
+            <a:pPr algn="ctr"/>
+            <a:r>
+              <a:rPr lang="en-US" dirty="0" smtClean="0"/>
+              <a:t>.DOC</a:t>
+            </a:r>
+            <a:endParaRPr lang="en-US" dirty="0"/>
+          </a:p>
+        </p:txBody>
+      </p:sp>
+      <p:sp>
+        <p:nvSpPr>
+          <p:cNvPr id="9" name="Rounded Rectangle 8"/>
+          <p:cNvSpPr/>
+          <p:nvPr/>
+        </p:nvSpPr>
+        <p:spPr>
+          <a:xfrm>
+            <a:off x="1905000" y="2590800"/>
+            <a:ext cx="1143000" cy="914400"/>
+          </a:xfrm>
+          <a:prstGeom prst="roundRect">
+            <a:avLst/>
+          </a:prstGeom>
+        </p:spPr>
+        <p:style>
+          <a:lnRef idx="2">
+            <a:schemeClr val="accent2">
+              <a:shade val="50000"/>
+            </a:schemeClr>
+          </a:lnRef>
+          <a:fillRef idx="1">
+            <a:schemeClr val="accent2"/>
+          </a:fillRef>
+          <a:effectRef idx="0">
+            <a:schemeClr val="accent2"/>
+          </a:effectRef>
+          <a:fontRef idx="minor">
+            <a:schemeClr val="lt1"/>
+          </a:fontRef>
+        </p:style>
+        <p:txBody>
+          <a:bodyPr rtlCol="0" anchor="ctr"/>
+          <a:lstStyle/>
+          <a:p>
+            <a:pPr algn="ctr"/>
+            <a:r>
+              <a:rPr lang="en-US" dirty="0" smtClean="0"/>
+              <a:t>.DOC</a:t>
+            </a:r>
+            <a:endParaRPr lang="en-US" dirty="0"/>
+          </a:p>
+        </p:txBody>
+      </p:sp>
+    </p:spTree>
+    <p:extLst>
+      <p:ext uri="{BB962C8B-B14F-4D97-AF65-F5344CB8AC3E}">
+        <p14:creationId xmlns:p14="http://schemas.microsoft.com/office/powerpoint/2010/main" val="229412266"/>
+      </p:ext>
+    </p:extLst>
+  </p:cSld>
+  <p:clrMapOvr>
+    <a:masterClrMapping/>
+  </p:clrMapOvr>
 </p:sld>
 </file>
 
